--- a/powerpoint/architecture.pptx
+++ b/powerpoint/architecture.pptx
@@ -7,6 +7,9 @@
   <p:sldIdLst>
     <p:sldId id="256" r:id="rId2"/>
     <p:sldId id="257" r:id="rId3"/>
+    <p:sldId id="258" r:id="rId4"/>
+    <p:sldId id="259" r:id="rId5"/>
+    <p:sldId id="260" r:id="rId6"/>
   </p:sldIdLst>
   <p:sldSz cx="12192000" cy="6858000"/>
   <p:notesSz cx="6858000" cy="9144000"/>
@@ -105,6 +108,11 @@
       </a:defRPr>
     </a:lvl9pPr>
   </p:defaultTextStyle>
+  <p:extLst>
+    <p:ext uri="{EFAFB233-063F-42B5-8137-9DF3F51BA10A}">
+      <p15:sldGuideLst xmlns:p15="http://schemas.microsoft.com/office/powerpoint/2012/main"/>
+    </p:ext>
+  </p:extLst>
 </p:presentation>
 </file>
 
@@ -257,7 +265,7 @@
           <a:p>
             <a:fld id="{A62CEDEE-88EB-4474-B1A3-0708B5571860}" type="datetimeFigureOut">
               <a:rPr kumimoji="1" lang="ja-JP" altLang="en-US" smtClean="0"/>
-              <a:t>2026/2/9</a:t>
+              <a:t>2026/2/14</a:t>
             </a:fld>
             <a:endParaRPr kumimoji="1" lang="ja-JP" altLang="en-US"/>
           </a:p>
@@ -457,7 +465,7 @@
           <a:p>
             <a:fld id="{A62CEDEE-88EB-4474-B1A3-0708B5571860}" type="datetimeFigureOut">
               <a:rPr kumimoji="1" lang="ja-JP" altLang="en-US" smtClean="0"/>
-              <a:t>2026/2/9</a:t>
+              <a:t>2026/2/14</a:t>
             </a:fld>
             <a:endParaRPr kumimoji="1" lang="ja-JP" altLang="en-US"/>
           </a:p>
@@ -667,7 +675,7 @@
           <a:p>
             <a:fld id="{A62CEDEE-88EB-4474-B1A3-0708B5571860}" type="datetimeFigureOut">
               <a:rPr kumimoji="1" lang="ja-JP" altLang="en-US" smtClean="0"/>
-              <a:t>2026/2/9</a:t>
+              <a:t>2026/2/14</a:t>
             </a:fld>
             <a:endParaRPr kumimoji="1" lang="ja-JP" altLang="en-US"/>
           </a:p>
@@ -867,7 +875,7 @@
           <a:p>
             <a:fld id="{A62CEDEE-88EB-4474-B1A3-0708B5571860}" type="datetimeFigureOut">
               <a:rPr kumimoji="1" lang="ja-JP" altLang="en-US" smtClean="0"/>
-              <a:t>2026/2/9</a:t>
+              <a:t>2026/2/14</a:t>
             </a:fld>
             <a:endParaRPr kumimoji="1" lang="ja-JP" altLang="en-US"/>
           </a:p>
@@ -1143,7 +1151,7 @@
           <a:p>
             <a:fld id="{A62CEDEE-88EB-4474-B1A3-0708B5571860}" type="datetimeFigureOut">
               <a:rPr kumimoji="1" lang="ja-JP" altLang="en-US" smtClean="0"/>
-              <a:t>2026/2/9</a:t>
+              <a:t>2026/2/14</a:t>
             </a:fld>
             <a:endParaRPr kumimoji="1" lang="ja-JP" altLang="en-US"/>
           </a:p>
@@ -1411,7 +1419,7 @@
           <a:p>
             <a:fld id="{A62CEDEE-88EB-4474-B1A3-0708B5571860}" type="datetimeFigureOut">
               <a:rPr kumimoji="1" lang="ja-JP" altLang="en-US" smtClean="0"/>
-              <a:t>2026/2/9</a:t>
+              <a:t>2026/2/14</a:t>
             </a:fld>
             <a:endParaRPr kumimoji="1" lang="ja-JP" altLang="en-US"/>
           </a:p>
@@ -1826,7 +1834,7 @@
           <a:p>
             <a:fld id="{A62CEDEE-88EB-4474-B1A3-0708B5571860}" type="datetimeFigureOut">
               <a:rPr kumimoji="1" lang="ja-JP" altLang="en-US" smtClean="0"/>
-              <a:t>2026/2/9</a:t>
+              <a:t>2026/2/14</a:t>
             </a:fld>
             <a:endParaRPr kumimoji="1" lang="ja-JP" altLang="en-US"/>
           </a:p>
@@ -1968,7 +1976,7 @@
           <a:p>
             <a:fld id="{A62CEDEE-88EB-4474-B1A3-0708B5571860}" type="datetimeFigureOut">
               <a:rPr kumimoji="1" lang="ja-JP" altLang="en-US" smtClean="0"/>
-              <a:t>2026/2/9</a:t>
+              <a:t>2026/2/14</a:t>
             </a:fld>
             <a:endParaRPr kumimoji="1" lang="ja-JP" altLang="en-US"/>
           </a:p>
@@ -2081,7 +2089,7 @@
           <a:p>
             <a:fld id="{A62CEDEE-88EB-4474-B1A3-0708B5571860}" type="datetimeFigureOut">
               <a:rPr kumimoji="1" lang="ja-JP" altLang="en-US" smtClean="0"/>
-              <a:t>2026/2/9</a:t>
+              <a:t>2026/2/14</a:t>
             </a:fld>
             <a:endParaRPr kumimoji="1" lang="ja-JP" altLang="en-US"/>
           </a:p>
@@ -2394,7 +2402,7 @@
           <a:p>
             <a:fld id="{A62CEDEE-88EB-4474-B1A3-0708B5571860}" type="datetimeFigureOut">
               <a:rPr kumimoji="1" lang="ja-JP" altLang="en-US" smtClean="0"/>
-              <a:t>2026/2/9</a:t>
+              <a:t>2026/2/14</a:t>
             </a:fld>
             <a:endParaRPr kumimoji="1" lang="ja-JP" altLang="en-US"/>
           </a:p>
@@ -2683,7 +2691,7 @@
           <a:p>
             <a:fld id="{A62CEDEE-88EB-4474-B1A3-0708B5571860}" type="datetimeFigureOut">
               <a:rPr kumimoji="1" lang="ja-JP" altLang="en-US" smtClean="0"/>
-              <a:t>2026/2/9</a:t>
+              <a:t>2026/2/14</a:t>
             </a:fld>
             <a:endParaRPr kumimoji="1" lang="ja-JP" altLang="en-US"/>
           </a:p>
@@ -2926,7 +2934,7 @@
           <a:p>
             <a:fld id="{A62CEDEE-88EB-4474-B1A3-0708B5571860}" type="datetimeFigureOut">
               <a:rPr kumimoji="1" lang="ja-JP" altLang="en-US" smtClean="0"/>
-              <a:t>2026/2/9</a:t>
+              <a:t>2026/2/14</a:t>
             </a:fld>
             <a:endParaRPr kumimoji="1" lang="ja-JP" altLang="en-US"/>
           </a:p>
@@ -4541,6 +4549,1867 @@
     <p:extLst>
       <p:ext uri="{BB962C8B-B14F-4D97-AF65-F5344CB8AC3E}">
         <p14:creationId xmlns:p14="http://schemas.microsoft.com/office/powerpoint/2010/main" val="84464011"/>
+      </p:ext>
+    </p:extLst>
+  </p:cSld>
+  <p:clrMapOvr>
+    <a:masterClrMapping/>
+  </p:clrMapOvr>
+</p:sld>
+</file>
+
+<file path=ppt/slides/slide3.xml><?xml version="1.0" encoding="utf-8"?>
+<p:sld xmlns:a="http://schemas.openxmlformats.org/drawingml/2006/main" xmlns:r="http://schemas.openxmlformats.org/officeDocument/2006/relationships" xmlns:p="http://schemas.openxmlformats.org/presentationml/2006/main">
+  <p:cSld>
+    <p:spTree>
+      <p:nvGrpSpPr>
+        <p:cNvPr id="1" name=""/>
+        <p:cNvGrpSpPr/>
+        <p:nvPr/>
+      </p:nvGrpSpPr>
+      <p:grpSpPr>
+        <a:xfrm>
+          <a:off x="0" y="0"/>
+          <a:ext cx="0" cy="0"/>
+          <a:chOff x="0" y="0"/>
+          <a:chExt cx="0" cy="0"/>
+        </a:xfrm>
+      </p:grpSpPr>
+      <p:sp>
+        <p:nvSpPr>
+          <p:cNvPr id="2" name="タイトル 1">
+            <a:extLst>
+              <a:ext uri="{FF2B5EF4-FFF2-40B4-BE49-F238E27FC236}">
+                <a16:creationId xmlns:a16="http://schemas.microsoft.com/office/drawing/2014/main" id="{436EE818-7B1D-EB06-0957-B1437791CC2C}"/>
+              </a:ext>
+            </a:extLst>
+          </p:cNvPr>
+          <p:cNvSpPr>
+            <a:spLocks noGrp="1"/>
+          </p:cNvSpPr>
+          <p:nvPr>
+            <p:ph type="title"/>
+          </p:nvPr>
+        </p:nvSpPr>
+        <p:spPr/>
+        <p:txBody>
+          <a:bodyPr/>
+          <a:lstStyle/>
+          <a:p>
+            <a:r>
+              <a:rPr lang="ja-JP" altLang="en-US" dirty="0"/>
+              <a:t>ユースケース図</a:t>
+            </a:r>
+            <a:endParaRPr kumimoji="1" lang="ja-JP" altLang="en-US" dirty="0"/>
+          </a:p>
+        </p:txBody>
+      </p:sp>
+      <p:sp>
+        <p:nvSpPr>
+          <p:cNvPr id="4" name="フローチャート: 結合子 3">
+            <a:extLst>
+              <a:ext uri="{FF2B5EF4-FFF2-40B4-BE49-F238E27FC236}">
+                <a16:creationId xmlns:a16="http://schemas.microsoft.com/office/drawing/2014/main" id="{26733A6B-77A4-4F47-F9D6-DF58B97B7FBC}"/>
+              </a:ext>
+            </a:extLst>
+          </p:cNvPr>
+          <p:cNvSpPr/>
+          <p:nvPr/>
+        </p:nvSpPr>
+        <p:spPr>
+          <a:xfrm>
+            <a:off x="1171885" y="1775281"/>
+            <a:ext cx="365760" cy="344978"/>
+          </a:xfrm>
+          <a:prstGeom prst="flowChartConnector">
+            <a:avLst/>
+          </a:prstGeom>
+          <a:ln>
+            <a:solidFill>
+              <a:schemeClr val="tx1"/>
+            </a:solidFill>
+          </a:ln>
+        </p:spPr>
+        <p:style>
+          <a:lnRef idx="2">
+            <a:schemeClr val="accent6"/>
+          </a:lnRef>
+          <a:fillRef idx="1">
+            <a:schemeClr val="lt1"/>
+          </a:fillRef>
+          <a:effectRef idx="0">
+            <a:schemeClr val="accent6"/>
+          </a:effectRef>
+          <a:fontRef idx="minor">
+            <a:schemeClr val="dk1"/>
+          </a:fontRef>
+        </p:style>
+        <p:txBody>
+          <a:bodyPr rtlCol="0" anchor="ctr"/>
+          <a:lstStyle/>
+          <a:p>
+            <a:pPr algn="ctr"/>
+            <a:endParaRPr kumimoji="1" lang="ja-JP" altLang="en-US"/>
+          </a:p>
+        </p:txBody>
+      </p:sp>
+      <p:cxnSp>
+        <p:nvCxnSpPr>
+          <p:cNvPr id="6" name="直線コネクタ 5">
+            <a:extLst>
+              <a:ext uri="{FF2B5EF4-FFF2-40B4-BE49-F238E27FC236}">
+                <a16:creationId xmlns:a16="http://schemas.microsoft.com/office/drawing/2014/main" id="{28F27C21-77C3-901C-F591-9BB38C0FB632}"/>
+              </a:ext>
+            </a:extLst>
+          </p:cNvPr>
+          <p:cNvCxnSpPr/>
+          <p:nvPr/>
+        </p:nvCxnSpPr>
+        <p:spPr>
+          <a:xfrm>
+            <a:off x="1005630" y="2303139"/>
+            <a:ext cx="731520" cy="0"/>
+          </a:xfrm>
+          <a:prstGeom prst="line">
+            <a:avLst/>
+          </a:prstGeom>
+        </p:spPr>
+        <p:style>
+          <a:lnRef idx="2">
+            <a:schemeClr val="dk1"/>
+          </a:lnRef>
+          <a:fillRef idx="0">
+            <a:schemeClr val="dk1"/>
+          </a:fillRef>
+          <a:effectRef idx="1">
+            <a:schemeClr val="dk1"/>
+          </a:effectRef>
+          <a:fontRef idx="minor">
+            <a:schemeClr val="tx1"/>
+          </a:fontRef>
+        </p:style>
+      </p:cxnSp>
+      <p:cxnSp>
+        <p:nvCxnSpPr>
+          <p:cNvPr id="7" name="直線コネクタ 6">
+            <a:extLst>
+              <a:ext uri="{FF2B5EF4-FFF2-40B4-BE49-F238E27FC236}">
+                <a16:creationId xmlns:a16="http://schemas.microsoft.com/office/drawing/2014/main" id="{6F21E913-6A22-F16D-E0C9-A85FC785792C}"/>
+              </a:ext>
+            </a:extLst>
+          </p:cNvPr>
+          <p:cNvCxnSpPr>
+            <a:cxnSpLocks/>
+            <a:stCxn id="4" idx="4"/>
+          </p:cNvCxnSpPr>
+          <p:nvPr/>
+        </p:nvCxnSpPr>
+        <p:spPr>
+          <a:xfrm>
+            <a:off x="1354765" y="2120259"/>
+            <a:ext cx="0" cy="465513"/>
+          </a:xfrm>
+          <a:prstGeom prst="line">
+            <a:avLst/>
+          </a:prstGeom>
+        </p:spPr>
+        <p:style>
+          <a:lnRef idx="2">
+            <a:schemeClr val="dk1"/>
+          </a:lnRef>
+          <a:fillRef idx="0">
+            <a:schemeClr val="dk1"/>
+          </a:fillRef>
+          <a:effectRef idx="1">
+            <a:schemeClr val="dk1"/>
+          </a:effectRef>
+          <a:fontRef idx="minor">
+            <a:schemeClr val="tx1"/>
+          </a:fontRef>
+        </p:style>
+      </p:cxnSp>
+      <p:cxnSp>
+        <p:nvCxnSpPr>
+          <p:cNvPr id="11" name="直線コネクタ 10">
+            <a:extLst>
+              <a:ext uri="{FF2B5EF4-FFF2-40B4-BE49-F238E27FC236}">
+                <a16:creationId xmlns:a16="http://schemas.microsoft.com/office/drawing/2014/main" id="{F59AEBC8-D143-4C10-8699-69FC734305B1}"/>
+              </a:ext>
+            </a:extLst>
+          </p:cNvPr>
+          <p:cNvCxnSpPr>
+            <a:cxnSpLocks/>
+          </p:cNvCxnSpPr>
+          <p:nvPr/>
+        </p:nvCxnSpPr>
+        <p:spPr>
+          <a:xfrm flipH="1">
+            <a:off x="1071439" y="2585772"/>
+            <a:ext cx="283325" cy="298219"/>
+          </a:xfrm>
+          <a:prstGeom prst="line">
+            <a:avLst/>
+          </a:prstGeom>
+        </p:spPr>
+        <p:style>
+          <a:lnRef idx="2">
+            <a:schemeClr val="dk1"/>
+          </a:lnRef>
+          <a:fillRef idx="0">
+            <a:schemeClr val="dk1"/>
+          </a:fillRef>
+          <a:effectRef idx="1">
+            <a:schemeClr val="dk1"/>
+          </a:effectRef>
+          <a:fontRef idx="minor">
+            <a:schemeClr val="tx1"/>
+          </a:fontRef>
+        </p:style>
+      </p:cxnSp>
+      <p:cxnSp>
+        <p:nvCxnSpPr>
+          <p:cNvPr id="17" name="直線コネクタ 16">
+            <a:extLst>
+              <a:ext uri="{FF2B5EF4-FFF2-40B4-BE49-F238E27FC236}">
+                <a16:creationId xmlns:a16="http://schemas.microsoft.com/office/drawing/2014/main" id="{5BECA09E-3FAF-A9A5-E6B9-01516698DEDF}"/>
+              </a:ext>
+            </a:extLst>
+          </p:cNvPr>
+          <p:cNvCxnSpPr>
+            <a:cxnSpLocks/>
+          </p:cNvCxnSpPr>
+          <p:nvPr/>
+        </p:nvCxnSpPr>
+        <p:spPr>
+          <a:xfrm>
+            <a:off x="1354764" y="2585772"/>
+            <a:ext cx="291985" cy="298219"/>
+          </a:xfrm>
+          <a:prstGeom prst="line">
+            <a:avLst/>
+          </a:prstGeom>
+        </p:spPr>
+        <p:style>
+          <a:lnRef idx="2">
+            <a:schemeClr val="dk1"/>
+          </a:lnRef>
+          <a:fillRef idx="0">
+            <a:schemeClr val="dk1"/>
+          </a:fillRef>
+          <a:effectRef idx="1">
+            <a:schemeClr val="dk1"/>
+          </a:effectRef>
+          <a:fontRef idx="minor">
+            <a:schemeClr val="tx1"/>
+          </a:fontRef>
+        </p:style>
+      </p:cxnSp>
+      <p:sp>
+        <p:nvSpPr>
+          <p:cNvPr id="25" name="フローチャート: 結合子 24">
+            <a:extLst>
+              <a:ext uri="{FF2B5EF4-FFF2-40B4-BE49-F238E27FC236}">
+                <a16:creationId xmlns:a16="http://schemas.microsoft.com/office/drawing/2014/main" id="{F25F89B2-0C70-3C77-B833-11B3FA5856D4}"/>
+              </a:ext>
+            </a:extLst>
+          </p:cNvPr>
+          <p:cNvSpPr/>
+          <p:nvPr/>
+        </p:nvSpPr>
+        <p:spPr>
+          <a:xfrm>
+            <a:off x="1127987" y="5165909"/>
+            <a:ext cx="365760" cy="344978"/>
+          </a:xfrm>
+          <a:prstGeom prst="flowChartConnector">
+            <a:avLst/>
+          </a:prstGeom>
+          <a:ln>
+            <a:solidFill>
+              <a:schemeClr val="tx1"/>
+            </a:solidFill>
+          </a:ln>
+        </p:spPr>
+        <p:style>
+          <a:lnRef idx="2">
+            <a:schemeClr val="accent6"/>
+          </a:lnRef>
+          <a:fillRef idx="1">
+            <a:schemeClr val="lt1"/>
+          </a:fillRef>
+          <a:effectRef idx="0">
+            <a:schemeClr val="accent6"/>
+          </a:effectRef>
+          <a:fontRef idx="minor">
+            <a:schemeClr val="dk1"/>
+          </a:fontRef>
+        </p:style>
+        <p:txBody>
+          <a:bodyPr rtlCol="0" anchor="ctr"/>
+          <a:lstStyle/>
+          <a:p>
+            <a:pPr algn="ctr"/>
+            <a:endParaRPr kumimoji="1" lang="ja-JP" altLang="en-US"/>
+          </a:p>
+        </p:txBody>
+      </p:sp>
+      <p:cxnSp>
+        <p:nvCxnSpPr>
+          <p:cNvPr id="26" name="直線コネクタ 25">
+            <a:extLst>
+              <a:ext uri="{FF2B5EF4-FFF2-40B4-BE49-F238E27FC236}">
+                <a16:creationId xmlns:a16="http://schemas.microsoft.com/office/drawing/2014/main" id="{4ACD2944-F3D1-56BF-367F-BDF27D7CBD0E}"/>
+              </a:ext>
+            </a:extLst>
+          </p:cNvPr>
+          <p:cNvCxnSpPr/>
+          <p:nvPr/>
+        </p:nvCxnSpPr>
+        <p:spPr>
+          <a:xfrm>
+            <a:off x="961732" y="5693767"/>
+            <a:ext cx="731520" cy="0"/>
+          </a:xfrm>
+          <a:prstGeom prst="line">
+            <a:avLst/>
+          </a:prstGeom>
+        </p:spPr>
+        <p:style>
+          <a:lnRef idx="2">
+            <a:schemeClr val="dk1"/>
+          </a:lnRef>
+          <a:fillRef idx="0">
+            <a:schemeClr val="dk1"/>
+          </a:fillRef>
+          <a:effectRef idx="1">
+            <a:schemeClr val="dk1"/>
+          </a:effectRef>
+          <a:fontRef idx="minor">
+            <a:schemeClr val="tx1"/>
+          </a:fontRef>
+        </p:style>
+      </p:cxnSp>
+      <p:cxnSp>
+        <p:nvCxnSpPr>
+          <p:cNvPr id="27" name="直線コネクタ 26">
+            <a:extLst>
+              <a:ext uri="{FF2B5EF4-FFF2-40B4-BE49-F238E27FC236}">
+                <a16:creationId xmlns:a16="http://schemas.microsoft.com/office/drawing/2014/main" id="{74C1B270-EB9C-D0A3-F1E9-C6235597DA10}"/>
+              </a:ext>
+            </a:extLst>
+          </p:cNvPr>
+          <p:cNvCxnSpPr>
+            <a:cxnSpLocks/>
+            <a:stCxn id="25" idx="4"/>
+          </p:cNvCxnSpPr>
+          <p:nvPr/>
+        </p:nvCxnSpPr>
+        <p:spPr>
+          <a:xfrm>
+            <a:off x="1310867" y="5510887"/>
+            <a:ext cx="0" cy="465513"/>
+          </a:xfrm>
+          <a:prstGeom prst="line">
+            <a:avLst/>
+          </a:prstGeom>
+        </p:spPr>
+        <p:style>
+          <a:lnRef idx="2">
+            <a:schemeClr val="dk1"/>
+          </a:lnRef>
+          <a:fillRef idx="0">
+            <a:schemeClr val="dk1"/>
+          </a:fillRef>
+          <a:effectRef idx="1">
+            <a:schemeClr val="dk1"/>
+          </a:effectRef>
+          <a:fontRef idx="minor">
+            <a:schemeClr val="tx1"/>
+          </a:fontRef>
+        </p:style>
+      </p:cxnSp>
+      <p:cxnSp>
+        <p:nvCxnSpPr>
+          <p:cNvPr id="28" name="直線コネクタ 27">
+            <a:extLst>
+              <a:ext uri="{FF2B5EF4-FFF2-40B4-BE49-F238E27FC236}">
+                <a16:creationId xmlns:a16="http://schemas.microsoft.com/office/drawing/2014/main" id="{4E62FA1A-C83A-4991-E113-11EF7FC21FE3}"/>
+              </a:ext>
+            </a:extLst>
+          </p:cNvPr>
+          <p:cNvCxnSpPr>
+            <a:cxnSpLocks/>
+          </p:cNvCxnSpPr>
+          <p:nvPr/>
+        </p:nvCxnSpPr>
+        <p:spPr>
+          <a:xfrm flipH="1">
+            <a:off x="1027541" y="5976400"/>
+            <a:ext cx="283325" cy="298219"/>
+          </a:xfrm>
+          <a:prstGeom prst="line">
+            <a:avLst/>
+          </a:prstGeom>
+        </p:spPr>
+        <p:style>
+          <a:lnRef idx="2">
+            <a:schemeClr val="dk1"/>
+          </a:lnRef>
+          <a:fillRef idx="0">
+            <a:schemeClr val="dk1"/>
+          </a:fillRef>
+          <a:effectRef idx="1">
+            <a:schemeClr val="dk1"/>
+          </a:effectRef>
+          <a:fontRef idx="minor">
+            <a:schemeClr val="tx1"/>
+          </a:fontRef>
+        </p:style>
+      </p:cxnSp>
+      <p:cxnSp>
+        <p:nvCxnSpPr>
+          <p:cNvPr id="29" name="直線コネクタ 28">
+            <a:extLst>
+              <a:ext uri="{FF2B5EF4-FFF2-40B4-BE49-F238E27FC236}">
+                <a16:creationId xmlns:a16="http://schemas.microsoft.com/office/drawing/2014/main" id="{156CC6CB-5FDD-6158-BDC8-EBBB59F73051}"/>
+              </a:ext>
+            </a:extLst>
+          </p:cNvPr>
+          <p:cNvCxnSpPr>
+            <a:cxnSpLocks/>
+          </p:cNvCxnSpPr>
+          <p:nvPr/>
+        </p:nvCxnSpPr>
+        <p:spPr>
+          <a:xfrm>
+            <a:off x="1310866" y="5976400"/>
+            <a:ext cx="291985" cy="298219"/>
+          </a:xfrm>
+          <a:prstGeom prst="line">
+            <a:avLst/>
+          </a:prstGeom>
+        </p:spPr>
+        <p:style>
+          <a:lnRef idx="2">
+            <a:schemeClr val="dk1"/>
+          </a:lnRef>
+          <a:fillRef idx="0">
+            <a:schemeClr val="dk1"/>
+          </a:fillRef>
+          <a:effectRef idx="1">
+            <a:schemeClr val="dk1"/>
+          </a:effectRef>
+          <a:fontRef idx="minor">
+            <a:schemeClr val="tx1"/>
+          </a:fontRef>
+        </p:style>
+      </p:cxnSp>
+      <p:sp>
+        <p:nvSpPr>
+          <p:cNvPr id="30" name="テキスト ボックス 29">
+            <a:extLst>
+              <a:ext uri="{FF2B5EF4-FFF2-40B4-BE49-F238E27FC236}">
+                <a16:creationId xmlns:a16="http://schemas.microsoft.com/office/drawing/2014/main" id="{5A4D6901-956E-C96E-20BF-2C52C9F6449A}"/>
+              </a:ext>
+            </a:extLst>
+          </p:cNvPr>
+          <p:cNvSpPr txBox="1"/>
+          <p:nvPr/>
+        </p:nvSpPr>
+        <p:spPr>
+          <a:xfrm>
+            <a:off x="774537" y="2921578"/>
+            <a:ext cx="1072657" cy="369332"/>
+          </a:xfrm>
+          <a:prstGeom prst="rect">
+            <a:avLst/>
+          </a:prstGeom>
+          <a:noFill/>
+        </p:spPr>
+        <p:txBody>
+          <a:bodyPr wrap="square" rtlCol="0">
+            <a:spAutoFit/>
+          </a:bodyPr>
+          <a:lstStyle/>
+          <a:p>
+            <a:r>
+              <a:rPr kumimoji="1" lang="ja-JP" altLang="en-US" dirty="0">
+                <a:latin typeface="ＭＳ Ｐゴシック" panose="020B0600070205080204" pitchFamily="50" charset="-128"/>
+                <a:ea typeface="ＭＳ Ｐゴシック" panose="020B0600070205080204" pitchFamily="50" charset="-128"/>
+              </a:rPr>
+              <a:t>ユーザ</a:t>
+            </a:r>
+          </a:p>
+        </p:txBody>
+      </p:sp>
+      <p:sp>
+        <p:nvSpPr>
+          <p:cNvPr id="32" name="テキスト ボックス 31">
+            <a:extLst>
+              <a:ext uri="{FF2B5EF4-FFF2-40B4-BE49-F238E27FC236}">
+                <a16:creationId xmlns:a16="http://schemas.microsoft.com/office/drawing/2014/main" id="{C50410B5-92A9-8C6D-8F31-4E92B69B3A9D}"/>
+              </a:ext>
+            </a:extLst>
+          </p:cNvPr>
+          <p:cNvSpPr txBox="1"/>
+          <p:nvPr/>
+        </p:nvSpPr>
+        <p:spPr>
+          <a:xfrm>
+            <a:off x="838200" y="6312206"/>
+            <a:ext cx="1072657" cy="369332"/>
+          </a:xfrm>
+          <a:prstGeom prst="rect">
+            <a:avLst/>
+          </a:prstGeom>
+          <a:noFill/>
+        </p:spPr>
+        <p:txBody>
+          <a:bodyPr wrap="square" rtlCol="0">
+            <a:spAutoFit/>
+          </a:bodyPr>
+          <a:lstStyle/>
+          <a:p>
+            <a:r>
+              <a:rPr kumimoji="1" lang="ja-JP" altLang="en-US" dirty="0">
+                <a:latin typeface="ＭＳ Ｐゴシック" panose="020B0600070205080204" pitchFamily="50" charset="-128"/>
+                <a:ea typeface="ＭＳ Ｐゴシック" panose="020B0600070205080204" pitchFamily="50" charset="-128"/>
+              </a:rPr>
+              <a:t>管理者</a:t>
+            </a:r>
+          </a:p>
+        </p:txBody>
+      </p:sp>
+      <p:cxnSp>
+        <p:nvCxnSpPr>
+          <p:cNvPr id="33" name="直線コネクタ 32">
+            <a:extLst>
+              <a:ext uri="{FF2B5EF4-FFF2-40B4-BE49-F238E27FC236}">
+                <a16:creationId xmlns:a16="http://schemas.microsoft.com/office/drawing/2014/main" id="{AE3B38A1-5CD6-0D1E-9502-6556D8239035}"/>
+              </a:ext>
+            </a:extLst>
+          </p:cNvPr>
+          <p:cNvCxnSpPr>
+            <a:cxnSpLocks/>
+            <a:endCxn id="38" idx="2"/>
+          </p:cNvCxnSpPr>
+          <p:nvPr/>
+        </p:nvCxnSpPr>
+        <p:spPr>
+          <a:xfrm flipV="1">
+            <a:off x="1943073" y="3093383"/>
+            <a:ext cx="866734" cy="403"/>
+          </a:xfrm>
+          <a:prstGeom prst="line">
+            <a:avLst/>
+          </a:prstGeom>
+        </p:spPr>
+        <p:style>
+          <a:lnRef idx="2">
+            <a:schemeClr val="dk1"/>
+          </a:lnRef>
+          <a:fillRef idx="0">
+            <a:schemeClr val="dk1"/>
+          </a:fillRef>
+          <a:effectRef idx="1">
+            <a:schemeClr val="dk1"/>
+          </a:effectRef>
+          <a:fontRef idx="minor">
+            <a:schemeClr val="tx1"/>
+          </a:fontRef>
+        </p:style>
+      </p:cxnSp>
+      <p:cxnSp>
+        <p:nvCxnSpPr>
+          <p:cNvPr id="36" name="直線コネクタ 35">
+            <a:extLst>
+              <a:ext uri="{FF2B5EF4-FFF2-40B4-BE49-F238E27FC236}">
+                <a16:creationId xmlns:a16="http://schemas.microsoft.com/office/drawing/2014/main" id="{8A53FD51-F301-A6B6-D48F-C0B4B3A34DFF}"/>
+              </a:ext>
+            </a:extLst>
+          </p:cNvPr>
+          <p:cNvCxnSpPr>
+            <a:cxnSpLocks/>
+            <a:endCxn id="45" idx="2"/>
+          </p:cNvCxnSpPr>
+          <p:nvPr/>
+        </p:nvCxnSpPr>
+        <p:spPr>
+          <a:xfrm>
+            <a:off x="1943073" y="5930341"/>
+            <a:ext cx="878414" cy="0"/>
+          </a:xfrm>
+          <a:prstGeom prst="line">
+            <a:avLst/>
+          </a:prstGeom>
+        </p:spPr>
+        <p:style>
+          <a:lnRef idx="2">
+            <a:schemeClr val="dk1"/>
+          </a:lnRef>
+          <a:fillRef idx="0">
+            <a:schemeClr val="dk1"/>
+          </a:fillRef>
+          <a:effectRef idx="1">
+            <a:schemeClr val="dk1"/>
+          </a:effectRef>
+          <a:fontRef idx="minor">
+            <a:schemeClr val="tx1"/>
+          </a:fontRef>
+        </p:style>
+      </p:cxnSp>
+      <p:sp>
+        <p:nvSpPr>
+          <p:cNvPr id="38" name="楕円 37">
+            <a:extLst>
+              <a:ext uri="{FF2B5EF4-FFF2-40B4-BE49-F238E27FC236}">
+                <a16:creationId xmlns:a16="http://schemas.microsoft.com/office/drawing/2014/main" id="{B47FE10C-D42C-C4A4-BAB9-1FAECF2E133C}"/>
+              </a:ext>
+            </a:extLst>
+          </p:cNvPr>
+          <p:cNvSpPr/>
+          <p:nvPr/>
+        </p:nvSpPr>
+        <p:spPr>
+          <a:xfrm>
+            <a:off x="2809807" y="2860626"/>
+            <a:ext cx="2502866" cy="465513"/>
+          </a:xfrm>
+          <a:prstGeom prst="ellipse">
+            <a:avLst/>
+          </a:prstGeom>
+          <a:ln>
+            <a:solidFill>
+              <a:schemeClr val="tx1"/>
+            </a:solidFill>
+          </a:ln>
+        </p:spPr>
+        <p:style>
+          <a:lnRef idx="2">
+            <a:schemeClr val="accent6"/>
+          </a:lnRef>
+          <a:fillRef idx="1">
+            <a:schemeClr val="lt1"/>
+          </a:fillRef>
+          <a:effectRef idx="0">
+            <a:schemeClr val="accent6"/>
+          </a:effectRef>
+          <a:fontRef idx="minor">
+            <a:schemeClr val="dk1"/>
+          </a:fontRef>
+        </p:style>
+        <p:txBody>
+          <a:bodyPr rtlCol="0" anchor="ctr"/>
+          <a:lstStyle/>
+          <a:p>
+            <a:pPr algn="ctr"/>
+            <a:r>
+              <a:rPr kumimoji="1" lang="ja-JP" altLang="en-US" dirty="0">
+                <a:latin typeface="ＭＳ Ｐゴシック" panose="020B0600070205080204" pitchFamily="50" charset="-128"/>
+                <a:ea typeface="ＭＳ Ｐゴシック" panose="020B0600070205080204" pitchFamily="50" charset="-128"/>
+              </a:rPr>
+              <a:t>質問を投稿する</a:t>
+            </a:r>
+          </a:p>
+        </p:txBody>
+      </p:sp>
+      <p:sp>
+        <p:nvSpPr>
+          <p:cNvPr id="45" name="楕円 44">
+            <a:extLst>
+              <a:ext uri="{FF2B5EF4-FFF2-40B4-BE49-F238E27FC236}">
+                <a16:creationId xmlns:a16="http://schemas.microsoft.com/office/drawing/2014/main" id="{76524043-C9D6-062B-980B-4E0A3B616E22}"/>
+              </a:ext>
+            </a:extLst>
+          </p:cNvPr>
+          <p:cNvSpPr/>
+          <p:nvPr/>
+        </p:nvSpPr>
+        <p:spPr>
+          <a:xfrm>
+            <a:off x="2821487" y="5548475"/>
+            <a:ext cx="2502866" cy="763731"/>
+          </a:xfrm>
+          <a:prstGeom prst="ellipse">
+            <a:avLst/>
+          </a:prstGeom>
+          <a:ln>
+            <a:solidFill>
+              <a:schemeClr val="tx1"/>
+            </a:solidFill>
+          </a:ln>
+        </p:spPr>
+        <p:style>
+          <a:lnRef idx="2">
+            <a:schemeClr val="accent6"/>
+          </a:lnRef>
+          <a:fillRef idx="1">
+            <a:schemeClr val="lt1"/>
+          </a:fillRef>
+          <a:effectRef idx="0">
+            <a:schemeClr val="accent6"/>
+          </a:effectRef>
+          <a:fontRef idx="minor">
+            <a:schemeClr val="dk1"/>
+          </a:fontRef>
+        </p:style>
+        <p:txBody>
+          <a:bodyPr rtlCol="0" anchor="ctr"/>
+          <a:lstStyle/>
+          <a:p>
+            <a:pPr algn="ctr"/>
+            <a:r>
+              <a:rPr kumimoji="1" lang="ja-JP" altLang="en-US" dirty="0">
+                <a:latin typeface="ＭＳ Ｐゴシック" panose="020B0600070205080204" pitchFamily="50" charset="-128"/>
+                <a:ea typeface="ＭＳ Ｐゴシック" panose="020B0600070205080204" pitchFamily="50" charset="-128"/>
+              </a:rPr>
+              <a:t>メール認証</a:t>
+            </a:r>
+          </a:p>
+        </p:txBody>
+      </p:sp>
+      <p:sp>
+        <p:nvSpPr>
+          <p:cNvPr id="48" name="楕円 47">
+            <a:extLst>
+              <a:ext uri="{FF2B5EF4-FFF2-40B4-BE49-F238E27FC236}">
+                <a16:creationId xmlns:a16="http://schemas.microsoft.com/office/drawing/2014/main" id="{5B7C0936-6D2D-48A3-BFEA-5484844E7995}"/>
+              </a:ext>
+            </a:extLst>
+          </p:cNvPr>
+          <p:cNvSpPr/>
+          <p:nvPr/>
+        </p:nvSpPr>
+        <p:spPr>
+          <a:xfrm>
+            <a:off x="6096000" y="2711516"/>
+            <a:ext cx="2502866" cy="763731"/>
+          </a:xfrm>
+          <a:prstGeom prst="ellipse">
+            <a:avLst/>
+          </a:prstGeom>
+          <a:ln>
+            <a:solidFill>
+              <a:schemeClr val="tx1"/>
+            </a:solidFill>
+          </a:ln>
+        </p:spPr>
+        <p:style>
+          <a:lnRef idx="2">
+            <a:schemeClr val="accent6"/>
+          </a:lnRef>
+          <a:fillRef idx="1">
+            <a:schemeClr val="lt1"/>
+          </a:fillRef>
+          <a:effectRef idx="0">
+            <a:schemeClr val="accent6"/>
+          </a:effectRef>
+          <a:fontRef idx="minor">
+            <a:schemeClr val="dk1"/>
+          </a:fontRef>
+        </p:style>
+        <p:txBody>
+          <a:bodyPr rtlCol="0" anchor="ctr"/>
+          <a:lstStyle/>
+          <a:p>
+            <a:pPr algn="ctr"/>
+            <a:r>
+              <a:rPr kumimoji="1" lang="ja-JP" altLang="en-US" dirty="0">
+                <a:latin typeface="ＭＳ Ｐゴシック" panose="020B0600070205080204" pitchFamily="50" charset="-128"/>
+                <a:ea typeface="ＭＳ Ｐゴシック" panose="020B0600070205080204" pitchFamily="50" charset="-128"/>
+              </a:rPr>
+              <a:t>質問を編集する</a:t>
+            </a:r>
+          </a:p>
+        </p:txBody>
+      </p:sp>
+      <p:sp>
+        <p:nvSpPr>
+          <p:cNvPr id="49" name="楕円 48">
+            <a:extLst>
+              <a:ext uri="{FF2B5EF4-FFF2-40B4-BE49-F238E27FC236}">
+                <a16:creationId xmlns:a16="http://schemas.microsoft.com/office/drawing/2014/main" id="{3420B8B1-822A-16D8-882A-CEB40829588E}"/>
+              </a:ext>
+            </a:extLst>
+          </p:cNvPr>
+          <p:cNvSpPr/>
+          <p:nvPr/>
+        </p:nvSpPr>
+        <p:spPr>
+          <a:xfrm>
+            <a:off x="2809807" y="3549058"/>
+            <a:ext cx="2502866" cy="465514"/>
+          </a:xfrm>
+          <a:prstGeom prst="ellipse">
+            <a:avLst/>
+          </a:prstGeom>
+          <a:ln>
+            <a:solidFill>
+              <a:schemeClr val="tx1"/>
+            </a:solidFill>
+          </a:ln>
+        </p:spPr>
+        <p:style>
+          <a:lnRef idx="2">
+            <a:schemeClr val="accent6"/>
+          </a:lnRef>
+          <a:fillRef idx="1">
+            <a:schemeClr val="lt1"/>
+          </a:fillRef>
+          <a:effectRef idx="0">
+            <a:schemeClr val="accent6"/>
+          </a:effectRef>
+          <a:fontRef idx="minor">
+            <a:schemeClr val="dk1"/>
+          </a:fontRef>
+        </p:style>
+        <p:txBody>
+          <a:bodyPr rtlCol="0" anchor="ctr"/>
+          <a:lstStyle/>
+          <a:p>
+            <a:pPr algn="ctr"/>
+            <a:r>
+              <a:rPr kumimoji="1" lang="ja-JP" altLang="en-US" dirty="0">
+                <a:latin typeface="ＭＳ Ｐゴシック" panose="020B0600070205080204" pitchFamily="50" charset="-128"/>
+                <a:ea typeface="ＭＳ Ｐゴシック" panose="020B0600070205080204" pitchFamily="50" charset="-128"/>
+              </a:rPr>
+              <a:t>質問を閲覧する</a:t>
+            </a:r>
+          </a:p>
+        </p:txBody>
+      </p:sp>
+      <p:cxnSp>
+        <p:nvCxnSpPr>
+          <p:cNvPr id="52" name="直線矢印コネクタ 51">
+            <a:extLst>
+              <a:ext uri="{FF2B5EF4-FFF2-40B4-BE49-F238E27FC236}">
+                <a16:creationId xmlns:a16="http://schemas.microsoft.com/office/drawing/2014/main" id="{81E2253B-9F6F-35B2-56D9-7CABC01899B1}"/>
+              </a:ext>
+            </a:extLst>
+          </p:cNvPr>
+          <p:cNvCxnSpPr>
+            <a:cxnSpLocks/>
+            <a:stCxn id="38" idx="6"/>
+            <a:endCxn id="48" idx="2"/>
+          </p:cNvCxnSpPr>
+          <p:nvPr/>
+        </p:nvCxnSpPr>
+        <p:spPr>
+          <a:xfrm flipV="1">
+            <a:off x="5312673" y="3093382"/>
+            <a:ext cx="783327" cy="1"/>
+          </a:xfrm>
+          <a:prstGeom prst="straightConnector1">
+            <a:avLst/>
+          </a:prstGeom>
+          <a:ln>
+            <a:solidFill>
+              <a:schemeClr val="tx1"/>
+            </a:solidFill>
+            <a:prstDash val="lgDash"/>
+            <a:tailEnd type="triangle"/>
+          </a:ln>
+        </p:spPr>
+        <p:style>
+          <a:lnRef idx="2">
+            <a:schemeClr val="accent1"/>
+          </a:lnRef>
+          <a:fillRef idx="0">
+            <a:schemeClr val="accent1"/>
+          </a:fillRef>
+          <a:effectRef idx="1">
+            <a:schemeClr val="accent1"/>
+          </a:effectRef>
+          <a:fontRef idx="minor">
+            <a:schemeClr val="tx1"/>
+          </a:fontRef>
+        </p:style>
+      </p:cxnSp>
+      <p:sp>
+        <p:nvSpPr>
+          <p:cNvPr id="53" name="楕円 52">
+            <a:extLst>
+              <a:ext uri="{FF2B5EF4-FFF2-40B4-BE49-F238E27FC236}">
+                <a16:creationId xmlns:a16="http://schemas.microsoft.com/office/drawing/2014/main" id="{89B6D143-08A4-116D-6857-C36B66AD0858}"/>
+              </a:ext>
+            </a:extLst>
+          </p:cNvPr>
+          <p:cNvSpPr/>
+          <p:nvPr/>
+        </p:nvSpPr>
+        <p:spPr>
+          <a:xfrm>
+            <a:off x="2780357" y="4953963"/>
+            <a:ext cx="3000580" cy="387729"/>
+          </a:xfrm>
+          <a:prstGeom prst="ellipse">
+            <a:avLst/>
+          </a:prstGeom>
+          <a:ln>
+            <a:solidFill>
+              <a:schemeClr val="tx1"/>
+            </a:solidFill>
+          </a:ln>
+        </p:spPr>
+        <p:style>
+          <a:lnRef idx="2">
+            <a:schemeClr val="accent6"/>
+          </a:lnRef>
+          <a:fillRef idx="1">
+            <a:schemeClr val="lt1"/>
+          </a:fillRef>
+          <a:effectRef idx="0">
+            <a:schemeClr val="accent6"/>
+          </a:effectRef>
+          <a:fontRef idx="minor">
+            <a:schemeClr val="dk1"/>
+          </a:fontRef>
+        </p:style>
+        <p:txBody>
+          <a:bodyPr rtlCol="0" anchor="ctr"/>
+          <a:lstStyle/>
+          <a:p>
+            <a:pPr algn="ctr"/>
+            <a:r>
+              <a:rPr kumimoji="1" lang="ja-JP" altLang="en-US" dirty="0">
+                <a:latin typeface="ＭＳ Ｐゴシック" panose="020B0600070205080204" pitchFamily="50" charset="-128"/>
+                <a:ea typeface="ＭＳ Ｐゴシック" panose="020B0600070205080204" pitchFamily="50" charset="-128"/>
+              </a:rPr>
+              <a:t>グループを作成する</a:t>
+            </a:r>
+          </a:p>
+        </p:txBody>
+      </p:sp>
+      <p:cxnSp>
+        <p:nvCxnSpPr>
+          <p:cNvPr id="56" name="直線コネクタ 55">
+            <a:extLst>
+              <a:ext uri="{FF2B5EF4-FFF2-40B4-BE49-F238E27FC236}">
+                <a16:creationId xmlns:a16="http://schemas.microsoft.com/office/drawing/2014/main" id="{F328842C-7F55-8AD2-3D0B-984D2C47A6E6}"/>
+              </a:ext>
+            </a:extLst>
+          </p:cNvPr>
+          <p:cNvCxnSpPr>
+            <a:cxnSpLocks/>
+            <a:endCxn id="72" idx="2"/>
+          </p:cNvCxnSpPr>
+          <p:nvPr/>
+        </p:nvCxnSpPr>
+        <p:spPr>
+          <a:xfrm flipV="1">
+            <a:off x="1943073" y="2377140"/>
+            <a:ext cx="866734" cy="716645"/>
+          </a:xfrm>
+          <a:prstGeom prst="line">
+            <a:avLst/>
+          </a:prstGeom>
+        </p:spPr>
+        <p:style>
+          <a:lnRef idx="2">
+            <a:schemeClr val="dk1"/>
+          </a:lnRef>
+          <a:fillRef idx="0">
+            <a:schemeClr val="dk1"/>
+          </a:fillRef>
+          <a:effectRef idx="1">
+            <a:schemeClr val="dk1"/>
+          </a:effectRef>
+          <a:fontRef idx="minor">
+            <a:schemeClr val="tx1"/>
+          </a:fontRef>
+        </p:style>
+      </p:cxnSp>
+      <p:cxnSp>
+        <p:nvCxnSpPr>
+          <p:cNvPr id="59" name="直線コネクタ 58">
+            <a:extLst>
+              <a:ext uri="{FF2B5EF4-FFF2-40B4-BE49-F238E27FC236}">
+                <a16:creationId xmlns:a16="http://schemas.microsoft.com/office/drawing/2014/main" id="{31B607D4-DE58-36ED-2548-590A5F9D447C}"/>
+              </a:ext>
+            </a:extLst>
+          </p:cNvPr>
+          <p:cNvCxnSpPr>
+            <a:cxnSpLocks/>
+            <a:endCxn id="53" idx="2"/>
+          </p:cNvCxnSpPr>
+          <p:nvPr/>
+        </p:nvCxnSpPr>
+        <p:spPr>
+          <a:xfrm>
+            <a:off x="1999502" y="3106244"/>
+            <a:ext cx="780855" cy="2041584"/>
+          </a:xfrm>
+          <a:prstGeom prst="line">
+            <a:avLst/>
+          </a:prstGeom>
+        </p:spPr>
+        <p:style>
+          <a:lnRef idx="2">
+            <a:schemeClr val="dk1"/>
+          </a:lnRef>
+          <a:fillRef idx="0">
+            <a:schemeClr val="dk1"/>
+          </a:fillRef>
+          <a:effectRef idx="1">
+            <a:schemeClr val="dk1"/>
+          </a:effectRef>
+          <a:fontRef idx="minor">
+            <a:schemeClr val="tx1"/>
+          </a:fontRef>
+        </p:style>
+      </p:cxnSp>
+      <p:sp>
+        <p:nvSpPr>
+          <p:cNvPr id="72" name="楕円 71">
+            <a:extLst>
+              <a:ext uri="{FF2B5EF4-FFF2-40B4-BE49-F238E27FC236}">
+                <a16:creationId xmlns:a16="http://schemas.microsoft.com/office/drawing/2014/main" id="{76BCB47A-3216-3D7E-0491-763A0906C09C}"/>
+              </a:ext>
+            </a:extLst>
+          </p:cNvPr>
+          <p:cNvSpPr/>
+          <p:nvPr/>
+        </p:nvSpPr>
+        <p:spPr>
+          <a:xfrm>
+            <a:off x="2809807" y="2144383"/>
+            <a:ext cx="3012260" cy="465513"/>
+          </a:xfrm>
+          <a:prstGeom prst="ellipse">
+            <a:avLst/>
+          </a:prstGeom>
+          <a:ln>
+            <a:solidFill>
+              <a:schemeClr val="tx1"/>
+            </a:solidFill>
+          </a:ln>
+        </p:spPr>
+        <p:style>
+          <a:lnRef idx="2">
+            <a:schemeClr val="accent6"/>
+          </a:lnRef>
+          <a:fillRef idx="1">
+            <a:schemeClr val="lt1"/>
+          </a:fillRef>
+          <a:effectRef idx="0">
+            <a:schemeClr val="accent6"/>
+          </a:effectRef>
+          <a:fontRef idx="minor">
+            <a:schemeClr val="dk1"/>
+          </a:fontRef>
+        </p:style>
+        <p:txBody>
+          <a:bodyPr rtlCol="0" anchor="ctr"/>
+          <a:lstStyle/>
+          <a:p>
+            <a:pPr algn="ctr"/>
+            <a:r>
+              <a:rPr kumimoji="1" lang="ja-JP" altLang="en-US" dirty="0">
+                <a:latin typeface="ＭＳ Ｐゴシック" panose="020B0600070205080204" pitchFamily="50" charset="-128"/>
+                <a:ea typeface="ＭＳ Ｐゴシック" panose="020B0600070205080204" pitchFamily="50" charset="-128"/>
+              </a:rPr>
+              <a:t>ログイン・ログアウト</a:t>
+            </a:r>
+          </a:p>
+        </p:txBody>
+      </p:sp>
+      <p:cxnSp>
+        <p:nvCxnSpPr>
+          <p:cNvPr id="74" name="直線コネクタ 73">
+            <a:extLst>
+              <a:ext uri="{FF2B5EF4-FFF2-40B4-BE49-F238E27FC236}">
+                <a16:creationId xmlns:a16="http://schemas.microsoft.com/office/drawing/2014/main" id="{01C71FEB-CD44-199C-8763-F8FB93086C02}"/>
+              </a:ext>
+            </a:extLst>
+          </p:cNvPr>
+          <p:cNvCxnSpPr>
+            <a:cxnSpLocks/>
+            <a:endCxn id="49" idx="2"/>
+          </p:cNvCxnSpPr>
+          <p:nvPr/>
+        </p:nvCxnSpPr>
+        <p:spPr>
+          <a:xfrm>
+            <a:off x="1954754" y="3108372"/>
+            <a:ext cx="855053" cy="673443"/>
+          </a:xfrm>
+          <a:prstGeom prst="line">
+            <a:avLst/>
+          </a:prstGeom>
+        </p:spPr>
+        <p:style>
+          <a:lnRef idx="2">
+            <a:schemeClr val="dk1"/>
+          </a:lnRef>
+          <a:fillRef idx="0">
+            <a:schemeClr val="dk1"/>
+          </a:fillRef>
+          <a:effectRef idx="1">
+            <a:schemeClr val="dk1"/>
+          </a:effectRef>
+          <a:fontRef idx="minor">
+            <a:schemeClr val="tx1"/>
+          </a:fontRef>
+        </p:style>
+      </p:cxnSp>
+      <p:sp>
+        <p:nvSpPr>
+          <p:cNvPr id="81" name="楕円 80">
+            <a:extLst>
+              <a:ext uri="{FF2B5EF4-FFF2-40B4-BE49-F238E27FC236}">
+                <a16:creationId xmlns:a16="http://schemas.microsoft.com/office/drawing/2014/main" id="{4CF5219A-1F54-871F-A1A0-5CDF39C27046}"/>
+              </a:ext>
+            </a:extLst>
+          </p:cNvPr>
+          <p:cNvSpPr/>
+          <p:nvPr/>
+        </p:nvSpPr>
+        <p:spPr>
+          <a:xfrm>
+            <a:off x="2821487" y="4206539"/>
+            <a:ext cx="2502866" cy="465514"/>
+          </a:xfrm>
+          <a:prstGeom prst="ellipse">
+            <a:avLst/>
+          </a:prstGeom>
+          <a:ln>
+            <a:solidFill>
+              <a:schemeClr val="tx1"/>
+            </a:solidFill>
+          </a:ln>
+        </p:spPr>
+        <p:style>
+          <a:lnRef idx="2">
+            <a:schemeClr val="accent6"/>
+          </a:lnRef>
+          <a:fillRef idx="1">
+            <a:schemeClr val="lt1"/>
+          </a:fillRef>
+          <a:effectRef idx="0">
+            <a:schemeClr val="accent6"/>
+          </a:effectRef>
+          <a:fontRef idx="minor">
+            <a:schemeClr val="dk1"/>
+          </a:fontRef>
+        </p:style>
+        <p:txBody>
+          <a:bodyPr rtlCol="0" anchor="ctr"/>
+          <a:lstStyle/>
+          <a:p>
+            <a:pPr algn="ctr"/>
+            <a:r>
+              <a:rPr kumimoji="1" lang="ja-JP" altLang="en-US" dirty="0">
+                <a:latin typeface="ＭＳ Ｐゴシック" panose="020B0600070205080204" pitchFamily="50" charset="-128"/>
+                <a:ea typeface="ＭＳ Ｐゴシック" panose="020B0600070205080204" pitchFamily="50" charset="-128"/>
+              </a:rPr>
+              <a:t>質問に回答する</a:t>
+            </a:r>
+          </a:p>
+        </p:txBody>
+      </p:sp>
+      <p:cxnSp>
+        <p:nvCxnSpPr>
+          <p:cNvPr id="86" name="直線コネクタ 85">
+            <a:extLst>
+              <a:ext uri="{FF2B5EF4-FFF2-40B4-BE49-F238E27FC236}">
+                <a16:creationId xmlns:a16="http://schemas.microsoft.com/office/drawing/2014/main" id="{5CB82D9F-A665-C528-522D-495CC0AEDEE2}"/>
+              </a:ext>
+            </a:extLst>
+          </p:cNvPr>
+          <p:cNvCxnSpPr>
+            <a:cxnSpLocks/>
+            <a:endCxn id="81" idx="2"/>
+          </p:cNvCxnSpPr>
+          <p:nvPr/>
+        </p:nvCxnSpPr>
+        <p:spPr>
+          <a:xfrm>
+            <a:off x="1999502" y="3130373"/>
+            <a:ext cx="821985" cy="1308923"/>
+          </a:xfrm>
+          <a:prstGeom prst="line">
+            <a:avLst/>
+          </a:prstGeom>
+        </p:spPr>
+        <p:style>
+          <a:lnRef idx="2">
+            <a:schemeClr val="dk1"/>
+          </a:lnRef>
+          <a:fillRef idx="0">
+            <a:schemeClr val="dk1"/>
+          </a:fillRef>
+          <a:effectRef idx="1">
+            <a:schemeClr val="dk1"/>
+          </a:effectRef>
+          <a:fontRef idx="minor">
+            <a:schemeClr val="tx1"/>
+          </a:fontRef>
+        </p:style>
+      </p:cxnSp>
+      <p:sp>
+        <p:nvSpPr>
+          <p:cNvPr id="89" name="楕円 88">
+            <a:extLst>
+              <a:ext uri="{FF2B5EF4-FFF2-40B4-BE49-F238E27FC236}">
+                <a16:creationId xmlns:a16="http://schemas.microsoft.com/office/drawing/2014/main" id="{338ED6C9-E384-AEBB-62ED-C69A54B0CB21}"/>
+              </a:ext>
+            </a:extLst>
+          </p:cNvPr>
+          <p:cNvSpPr/>
+          <p:nvPr/>
+        </p:nvSpPr>
+        <p:spPr>
+          <a:xfrm>
+            <a:off x="6107680" y="4057430"/>
+            <a:ext cx="2502866" cy="763731"/>
+          </a:xfrm>
+          <a:prstGeom prst="ellipse">
+            <a:avLst/>
+          </a:prstGeom>
+          <a:ln>
+            <a:solidFill>
+              <a:schemeClr val="tx1"/>
+            </a:solidFill>
+          </a:ln>
+        </p:spPr>
+        <p:style>
+          <a:lnRef idx="2">
+            <a:schemeClr val="accent6"/>
+          </a:lnRef>
+          <a:fillRef idx="1">
+            <a:schemeClr val="lt1"/>
+          </a:fillRef>
+          <a:effectRef idx="0">
+            <a:schemeClr val="accent6"/>
+          </a:effectRef>
+          <a:fontRef idx="minor">
+            <a:schemeClr val="dk1"/>
+          </a:fontRef>
+        </p:style>
+        <p:txBody>
+          <a:bodyPr rtlCol="0" anchor="ctr"/>
+          <a:lstStyle/>
+          <a:p>
+            <a:pPr algn="ctr"/>
+            <a:r>
+              <a:rPr kumimoji="1" lang="ja-JP" altLang="en-US" dirty="0">
+                <a:latin typeface="ＭＳ Ｐゴシック" panose="020B0600070205080204" pitchFamily="50" charset="-128"/>
+                <a:ea typeface="ＭＳ Ｐゴシック" panose="020B0600070205080204" pitchFamily="50" charset="-128"/>
+              </a:rPr>
+              <a:t>回答を編集する</a:t>
+            </a:r>
+          </a:p>
+        </p:txBody>
+      </p:sp>
+      <p:cxnSp>
+        <p:nvCxnSpPr>
+          <p:cNvPr id="90" name="直線矢印コネクタ 89">
+            <a:extLst>
+              <a:ext uri="{FF2B5EF4-FFF2-40B4-BE49-F238E27FC236}">
+                <a16:creationId xmlns:a16="http://schemas.microsoft.com/office/drawing/2014/main" id="{6FFA1C2D-F25C-C6B0-7345-7253752114AD}"/>
+              </a:ext>
+            </a:extLst>
+          </p:cNvPr>
+          <p:cNvCxnSpPr>
+            <a:cxnSpLocks/>
+            <a:endCxn id="89" idx="2"/>
+          </p:cNvCxnSpPr>
+          <p:nvPr/>
+        </p:nvCxnSpPr>
+        <p:spPr>
+          <a:xfrm flipV="1">
+            <a:off x="5324353" y="4439296"/>
+            <a:ext cx="783327" cy="1"/>
+          </a:xfrm>
+          <a:prstGeom prst="straightConnector1">
+            <a:avLst/>
+          </a:prstGeom>
+          <a:ln>
+            <a:solidFill>
+              <a:schemeClr val="tx1"/>
+            </a:solidFill>
+            <a:prstDash val="lgDash"/>
+            <a:tailEnd type="triangle"/>
+          </a:ln>
+        </p:spPr>
+        <p:style>
+          <a:lnRef idx="2">
+            <a:schemeClr val="accent1"/>
+          </a:lnRef>
+          <a:fillRef idx="0">
+            <a:schemeClr val="accent1"/>
+          </a:fillRef>
+          <a:effectRef idx="1">
+            <a:schemeClr val="accent1"/>
+          </a:effectRef>
+          <a:fontRef idx="minor">
+            <a:schemeClr val="tx1"/>
+          </a:fontRef>
+        </p:style>
+      </p:cxnSp>
+      <p:cxnSp>
+        <p:nvCxnSpPr>
+          <p:cNvPr id="92" name="直線コネクタ 91">
+            <a:extLst>
+              <a:ext uri="{FF2B5EF4-FFF2-40B4-BE49-F238E27FC236}">
+                <a16:creationId xmlns:a16="http://schemas.microsoft.com/office/drawing/2014/main" id="{BE35D90A-368D-D0FD-D2D0-9355AACDB2CB}"/>
+              </a:ext>
+            </a:extLst>
+          </p:cNvPr>
+          <p:cNvCxnSpPr>
+            <a:cxnSpLocks/>
+            <a:endCxn id="95" idx="2"/>
+          </p:cNvCxnSpPr>
+          <p:nvPr/>
+        </p:nvCxnSpPr>
+        <p:spPr>
+          <a:xfrm flipV="1">
+            <a:off x="1995884" y="1671218"/>
+            <a:ext cx="825603" cy="1392373"/>
+          </a:xfrm>
+          <a:prstGeom prst="line">
+            <a:avLst/>
+          </a:prstGeom>
+        </p:spPr>
+        <p:style>
+          <a:lnRef idx="2">
+            <a:schemeClr val="dk1"/>
+          </a:lnRef>
+          <a:fillRef idx="0">
+            <a:schemeClr val="dk1"/>
+          </a:fillRef>
+          <a:effectRef idx="1">
+            <a:schemeClr val="dk1"/>
+          </a:effectRef>
+          <a:fontRef idx="minor">
+            <a:schemeClr val="tx1"/>
+          </a:fontRef>
+        </p:style>
+      </p:cxnSp>
+      <p:sp>
+        <p:nvSpPr>
+          <p:cNvPr id="95" name="楕円 94">
+            <a:extLst>
+              <a:ext uri="{FF2B5EF4-FFF2-40B4-BE49-F238E27FC236}">
+                <a16:creationId xmlns:a16="http://schemas.microsoft.com/office/drawing/2014/main" id="{AC699F08-13E6-136D-BE9C-5DD452B56286}"/>
+              </a:ext>
+            </a:extLst>
+          </p:cNvPr>
+          <p:cNvSpPr/>
+          <p:nvPr/>
+        </p:nvSpPr>
+        <p:spPr>
+          <a:xfrm>
+            <a:off x="2821487" y="1438461"/>
+            <a:ext cx="3012260" cy="465513"/>
+          </a:xfrm>
+          <a:prstGeom prst="ellipse">
+            <a:avLst/>
+          </a:prstGeom>
+          <a:ln>
+            <a:solidFill>
+              <a:schemeClr val="tx1"/>
+            </a:solidFill>
+          </a:ln>
+        </p:spPr>
+        <p:style>
+          <a:lnRef idx="2">
+            <a:schemeClr val="accent6"/>
+          </a:lnRef>
+          <a:fillRef idx="1">
+            <a:schemeClr val="lt1"/>
+          </a:fillRef>
+          <a:effectRef idx="0">
+            <a:schemeClr val="accent6"/>
+          </a:effectRef>
+          <a:fontRef idx="minor">
+            <a:schemeClr val="dk1"/>
+          </a:fontRef>
+        </p:style>
+        <p:txBody>
+          <a:bodyPr rtlCol="0" anchor="ctr"/>
+          <a:lstStyle/>
+          <a:p>
+            <a:pPr algn="ctr"/>
+            <a:r>
+              <a:rPr kumimoji="1" lang="ja-JP" altLang="en-US" dirty="0">
+                <a:latin typeface="ＭＳ Ｐゴシック" panose="020B0600070205080204" pitchFamily="50" charset="-128"/>
+                <a:ea typeface="ＭＳ Ｐゴシック" panose="020B0600070205080204" pitchFamily="50" charset="-128"/>
+              </a:rPr>
+              <a:t>新規登録を行う</a:t>
+            </a:r>
+          </a:p>
+        </p:txBody>
+      </p:sp>
+    </p:spTree>
+    <p:extLst>
+      <p:ext uri="{BB962C8B-B14F-4D97-AF65-F5344CB8AC3E}">
+        <p14:creationId xmlns:p14="http://schemas.microsoft.com/office/powerpoint/2010/main" val="1841151117"/>
+      </p:ext>
+    </p:extLst>
+  </p:cSld>
+  <p:clrMapOvr>
+    <a:masterClrMapping/>
+  </p:clrMapOvr>
+</p:sld>
+</file>
+
+<file path=ppt/slides/slide4.xml><?xml version="1.0" encoding="utf-8"?>
+<p:sld xmlns:a="http://schemas.openxmlformats.org/drawingml/2006/main" xmlns:r="http://schemas.openxmlformats.org/officeDocument/2006/relationships" xmlns:p="http://schemas.openxmlformats.org/presentationml/2006/main">
+  <p:cSld>
+    <p:spTree>
+      <p:nvGrpSpPr>
+        <p:cNvPr id="1" name=""/>
+        <p:cNvGrpSpPr/>
+        <p:nvPr/>
+      </p:nvGrpSpPr>
+      <p:grpSpPr>
+        <a:xfrm>
+          <a:off x="0" y="0"/>
+          <a:ext cx="0" cy="0"/>
+          <a:chOff x="0" y="0"/>
+          <a:chExt cx="0" cy="0"/>
+        </a:xfrm>
+      </p:grpSpPr>
+      <p:sp>
+        <p:nvSpPr>
+          <p:cNvPr id="2" name="タイトル 1">
+            <a:extLst>
+              <a:ext uri="{FF2B5EF4-FFF2-40B4-BE49-F238E27FC236}">
+                <a16:creationId xmlns:a16="http://schemas.microsoft.com/office/drawing/2014/main" id="{77B0FC42-BC8E-056C-0CB3-F608A357A1CC}"/>
+              </a:ext>
+            </a:extLst>
+          </p:cNvPr>
+          <p:cNvSpPr>
+            <a:spLocks noGrp="1"/>
+          </p:cNvSpPr>
+          <p:nvPr>
+            <p:ph type="title"/>
+          </p:nvPr>
+        </p:nvSpPr>
+        <p:spPr/>
+        <p:txBody>
+          <a:bodyPr/>
+          <a:lstStyle/>
+          <a:p>
+            <a:r>
+              <a:rPr kumimoji="1" lang="ja-JP" altLang="en-US" dirty="0"/>
+              <a:t>システムの概念図</a:t>
+            </a:r>
+          </a:p>
+        </p:txBody>
+      </p:sp>
+      <p:sp>
+        <p:nvSpPr>
+          <p:cNvPr id="3" name="コンテンツ プレースホルダー 2">
+            <a:extLst>
+              <a:ext uri="{FF2B5EF4-FFF2-40B4-BE49-F238E27FC236}">
+                <a16:creationId xmlns:a16="http://schemas.microsoft.com/office/drawing/2014/main" id="{A24384AF-B988-718E-3AA1-A32926CB98A8}"/>
+              </a:ext>
+            </a:extLst>
+          </p:cNvPr>
+          <p:cNvSpPr>
+            <a:spLocks noGrp="1"/>
+          </p:cNvSpPr>
+          <p:nvPr>
+            <p:ph idx="1"/>
+          </p:nvPr>
+        </p:nvSpPr>
+        <p:spPr/>
+        <p:txBody>
+          <a:bodyPr/>
+          <a:lstStyle/>
+          <a:p>
+            <a:pPr marL="0" indent="0">
+              <a:buNone/>
+            </a:pPr>
+            <a:endParaRPr kumimoji="1" lang="ja-JP" altLang="en-US" dirty="0"/>
+          </a:p>
+        </p:txBody>
+      </p:sp>
+      <p:sp>
+        <p:nvSpPr>
+          <p:cNvPr id="6" name="正方形/長方形 5">
+            <a:extLst>
+              <a:ext uri="{FF2B5EF4-FFF2-40B4-BE49-F238E27FC236}">
+                <a16:creationId xmlns:a16="http://schemas.microsoft.com/office/drawing/2014/main" id="{B3F2D67B-603E-1AF4-E147-E985A907B605}"/>
+              </a:ext>
+            </a:extLst>
+          </p:cNvPr>
+          <p:cNvSpPr/>
+          <p:nvPr/>
+        </p:nvSpPr>
+        <p:spPr>
+          <a:xfrm>
+            <a:off x="752354" y="2615878"/>
+            <a:ext cx="3275636" cy="2824224"/>
+          </a:xfrm>
+          <a:prstGeom prst="rect">
+            <a:avLst/>
+          </a:prstGeom>
+          <a:ln>
+            <a:solidFill>
+              <a:schemeClr val="tx1"/>
+            </a:solidFill>
+          </a:ln>
+        </p:spPr>
+        <p:style>
+          <a:lnRef idx="2">
+            <a:schemeClr val="accent6"/>
+          </a:lnRef>
+          <a:fillRef idx="1">
+            <a:schemeClr val="lt1"/>
+          </a:fillRef>
+          <a:effectRef idx="0">
+            <a:schemeClr val="accent6"/>
+          </a:effectRef>
+          <a:fontRef idx="minor">
+            <a:schemeClr val="dk1"/>
+          </a:fontRef>
+        </p:style>
+        <p:txBody>
+          <a:bodyPr rtlCol="0" anchor="ctr"/>
+          <a:lstStyle/>
+          <a:p>
+            <a:pPr algn="ctr"/>
+            <a:endParaRPr kumimoji="1" lang="ja-JP" altLang="en-US" dirty="0">
+              <a:latin typeface="ＭＳ Ｐゴシック" panose="020B0600070205080204" pitchFamily="50" charset="-128"/>
+              <a:ea typeface="ＭＳ Ｐゴシック" panose="020B0600070205080204" pitchFamily="50" charset="-128"/>
+            </a:endParaRPr>
+          </a:p>
+        </p:txBody>
+      </p:sp>
+      <p:sp>
+        <p:nvSpPr>
+          <p:cNvPr id="7" name="正方形/長方形 6">
+            <a:extLst>
+              <a:ext uri="{FF2B5EF4-FFF2-40B4-BE49-F238E27FC236}">
+                <a16:creationId xmlns:a16="http://schemas.microsoft.com/office/drawing/2014/main" id="{931C3BDB-3405-BDAA-2895-2021CAB4A335}"/>
+              </a:ext>
+            </a:extLst>
+          </p:cNvPr>
+          <p:cNvSpPr/>
+          <p:nvPr/>
+        </p:nvSpPr>
+        <p:spPr>
+          <a:xfrm>
+            <a:off x="4027989" y="2615878"/>
+            <a:ext cx="5139159" cy="706056"/>
+          </a:xfrm>
+          <a:prstGeom prst="rect">
+            <a:avLst/>
+          </a:prstGeom>
+          <a:ln>
+            <a:solidFill>
+              <a:schemeClr val="tx1"/>
+            </a:solidFill>
+          </a:ln>
+        </p:spPr>
+        <p:style>
+          <a:lnRef idx="2">
+            <a:schemeClr val="accent6"/>
+          </a:lnRef>
+          <a:fillRef idx="1">
+            <a:schemeClr val="lt1"/>
+          </a:fillRef>
+          <a:effectRef idx="0">
+            <a:schemeClr val="accent6"/>
+          </a:effectRef>
+          <a:fontRef idx="minor">
+            <a:schemeClr val="dk1"/>
+          </a:fontRef>
+        </p:style>
+        <p:txBody>
+          <a:bodyPr rtlCol="0" anchor="ctr"/>
+          <a:lstStyle/>
+          <a:p>
+            <a:pPr algn="ctr"/>
+            <a:r>
+              <a:rPr kumimoji="1" lang="ja-JP" altLang="en-US" sz="2400" dirty="0">
+                <a:latin typeface="ＭＳ Ｐゴシック" panose="020B0600070205080204" pitchFamily="50" charset="-128"/>
+                <a:ea typeface="ＭＳ Ｐゴシック" panose="020B0600070205080204" pitchFamily="50" charset="-128"/>
+              </a:rPr>
+              <a:t>質問の投稿</a:t>
+            </a:r>
+          </a:p>
+        </p:txBody>
+      </p:sp>
+      <p:sp>
+        <p:nvSpPr>
+          <p:cNvPr id="8" name="正方形/長方形 7">
+            <a:extLst>
+              <a:ext uri="{FF2B5EF4-FFF2-40B4-BE49-F238E27FC236}">
+                <a16:creationId xmlns:a16="http://schemas.microsoft.com/office/drawing/2014/main" id="{0CF28D97-AB64-D883-43B7-8E9E71B81F5D}"/>
+              </a:ext>
+            </a:extLst>
+          </p:cNvPr>
+          <p:cNvSpPr/>
+          <p:nvPr/>
+        </p:nvSpPr>
+        <p:spPr>
+          <a:xfrm>
+            <a:off x="4027988" y="3321934"/>
+            <a:ext cx="5139159" cy="706056"/>
+          </a:xfrm>
+          <a:prstGeom prst="rect">
+            <a:avLst/>
+          </a:prstGeom>
+          <a:ln>
+            <a:solidFill>
+              <a:schemeClr val="tx1"/>
+            </a:solidFill>
+          </a:ln>
+        </p:spPr>
+        <p:style>
+          <a:lnRef idx="2">
+            <a:schemeClr val="accent6"/>
+          </a:lnRef>
+          <a:fillRef idx="1">
+            <a:schemeClr val="lt1"/>
+          </a:fillRef>
+          <a:effectRef idx="0">
+            <a:schemeClr val="accent6"/>
+          </a:effectRef>
+          <a:fontRef idx="minor">
+            <a:schemeClr val="dk1"/>
+          </a:fontRef>
+        </p:style>
+        <p:txBody>
+          <a:bodyPr rtlCol="0" anchor="ctr"/>
+          <a:lstStyle/>
+          <a:p>
+            <a:pPr algn="ctr"/>
+            <a:r>
+              <a:rPr kumimoji="1" lang="ja-JP" altLang="en-US" sz="2400" dirty="0">
+                <a:latin typeface="ＭＳ Ｐゴシック" panose="020B0600070205080204" pitchFamily="50" charset="-128"/>
+                <a:ea typeface="ＭＳ Ｐゴシック" panose="020B0600070205080204" pitchFamily="50" charset="-128"/>
+              </a:rPr>
+              <a:t>質問の回答</a:t>
+            </a:r>
+          </a:p>
+        </p:txBody>
+      </p:sp>
+      <p:sp>
+        <p:nvSpPr>
+          <p:cNvPr id="9" name="正方形/長方形 8">
+            <a:extLst>
+              <a:ext uri="{FF2B5EF4-FFF2-40B4-BE49-F238E27FC236}">
+                <a16:creationId xmlns:a16="http://schemas.microsoft.com/office/drawing/2014/main" id="{C0CF87BD-D979-F1BE-6749-9D969C258EBA}"/>
+              </a:ext>
+            </a:extLst>
+          </p:cNvPr>
+          <p:cNvSpPr/>
+          <p:nvPr/>
+        </p:nvSpPr>
+        <p:spPr>
+          <a:xfrm>
+            <a:off x="4027987" y="4043392"/>
+            <a:ext cx="5139159" cy="706056"/>
+          </a:xfrm>
+          <a:prstGeom prst="rect">
+            <a:avLst/>
+          </a:prstGeom>
+          <a:ln>
+            <a:solidFill>
+              <a:schemeClr val="tx1"/>
+            </a:solidFill>
+          </a:ln>
+        </p:spPr>
+        <p:style>
+          <a:lnRef idx="2">
+            <a:schemeClr val="accent6"/>
+          </a:lnRef>
+          <a:fillRef idx="1">
+            <a:schemeClr val="lt1"/>
+          </a:fillRef>
+          <a:effectRef idx="0">
+            <a:schemeClr val="accent6"/>
+          </a:effectRef>
+          <a:fontRef idx="minor">
+            <a:schemeClr val="dk1"/>
+          </a:fontRef>
+        </p:style>
+        <p:txBody>
+          <a:bodyPr rtlCol="0" anchor="ctr"/>
+          <a:lstStyle/>
+          <a:p>
+            <a:pPr algn="ctr"/>
+            <a:r>
+              <a:rPr kumimoji="1" lang="ja-JP" altLang="en-US" sz="2400" dirty="0">
+                <a:latin typeface="ＭＳ Ｐゴシック" panose="020B0600070205080204" pitchFamily="50" charset="-128"/>
+                <a:ea typeface="ＭＳ Ｐゴシック" panose="020B0600070205080204" pitchFamily="50" charset="-128"/>
+              </a:rPr>
+              <a:t>質問を探す</a:t>
+            </a:r>
+          </a:p>
+        </p:txBody>
+      </p:sp>
+      <p:sp>
+        <p:nvSpPr>
+          <p:cNvPr id="10" name="正方形/長方形 9">
+            <a:extLst>
+              <a:ext uri="{FF2B5EF4-FFF2-40B4-BE49-F238E27FC236}">
+                <a16:creationId xmlns:a16="http://schemas.microsoft.com/office/drawing/2014/main" id="{7290400B-1006-F4AB-46BB-9CB415718BFF}"/>
+              </a:ext>
+            </a:extLst>
+          </p:cNvPr>
+          <p:cNvSpPr/>
+          <p:nvPr/>
+        </p:nvSpPr>
+        <p:spPr>
+          <a:xfrm>
+            <a:off x="4027986" y="4734046"/>
+            <a:ext cx="5139159" cy="706056"/>
+          </a:xfrm>
+          <a:prstGeom prst="rect">
+            <a:avLst/>
+          </a:prstGeom>
+          <a:ln>
+            <a:solidFill>
+              <a:schemeClr val="tx1"/>
+            </a:solidFill>
+          </a:ln>
+        </p:spPr>
+        <p:style>
+          <a:lnRef idx="2">
+            <a:schemeClr val="accent6"/>
+          </a:lnRef>
+          <a:fillRef idx="1">
+            <a:schemeClr val="lt1"/>
+          </a:fillRef>
+          <a:effectRef idx="0">
+            <a:schemeClr val="accent6"/>
+          </a:effectRef>
+          <a:fontRef idx="minor">
+            <a:schemeClr val="dk1"/>
+          </a:fontRef>
+        </p:style>
+        <p:txBody>
+          <a:bodyPr rtlCol="0" anchor="ctr"/>
+          <a:lstStyle/>
+          <a:p>
+            <a:pPr algn="ctr"/>
+            <a:endParaRPr kumimoji="1" lang="ja-JP" altLang="en-US" dirty="0">
+              <a:latin typeface="ＭＳ Ｐゴシック" panose="020B0600070205080204" pitchFamily="50" charset="-128"/>
+              <a:ea typeface="ＭＳ Ｐゴシック" panose="020B0600070205080204" pitchFamily="50" charset="-128"/>
+            </a:endParaRPr>
+          </a:p>
+        </p:txBody>
+      </p:sp>
+    </p:spTree>
+    <p:extLst>
+      <p:ext uri="{BB962C8B-B14F-4D97-AF65-F5344CB8AC3E}">
+        <p14:creationId xmlns:p14="http://schemas.microsoft.com/office/powerpoint/2010/main" val="2802612368"/>
+      </p:ext>
+    </p:extLst>
+  </p:cSld>
+  <p:clrMapOvr>
+    <a:masterClrMapping/>
+  </p:clrMapOvr>
+</p:sld>
+</file>
+
+<file path=ppt/slides/slide5.xml><?xml version="1.0" encoding="utf-8"?>
+<p:sld xmlns:a="http://schemas.openxmlformats.org/drawingml/2006/main" xmlns:r="http://schemas.openxmlformats.org/officeDocument/2006/relationships" xmlns:p="http://schemas.openxmlformats.org/presentationml/2006/main">
+  <p:cSld>
+    <p:spTree>
+      <p:nvGrpSpPr>
+        <p:cNvPr id="1" name=""/>
+        <p:cNvGrpSpPr/>
+        <p:nvPr/>
+      </p:nvGrpSpPr>
+      <p:grpSpPr>
+        <a:xfrm>
+          <a:off x="0" y="0"/>
+          <a:ext cx="0" cy="0"/>
+          <a:chOff x="0" y="0"/>
+          <a:chExt cx="0" cy="0"/>
+        </a:xfrm>
+      </p:grpSpPr>
+      <p:sp>
+        <p:nvSpPr>
+          <p:cNvPr id="2" name="タイトル 1">
+            <a:extLst>
+              <a:ext uri="{FF2B5EF4-FFF2-40B4-BE49-F238E27FC236}">
+                <a16:creationId xmlns:a16="http://schemas.microsoft.com/office/drawing/2014/main" id="{749A5D84-CFAB-0A00-3E88-5E7339FED865}"/>
+              </a:ext>
+            </a:extLst>
+          </p:cNvPr>
+          <p:cNvSpPr>
+            <a:spLocks noGrp="1"/>
+          </p:cNvSpPr>
+          <p:nvPr>
+            <p:ph type="title"/>
+          </p:nvPr>
+        </p:nvSpPr>
+        <p:spPr/>
+        <p:txBody>
+          <a:bodyPr/>
+          <a:lstStyle/>
+          <a:p>
+            <a:endParaRPr kumimoji="1" lang="ja-JP" altLang="en-US"/>
+          </a:p>
+        </p:txBody>
+      </p:sp>
+      <p:sp>
+        <p:nvSpPr>
+          <p:cNvPr id="3" name="コンテンツ プレースホルダー 2">
+            <a:extLst>
+              <a:ext uri="{FF2B5EF4-FFF2-40B4-BE49-F238E27FC236}">
+                <a16:creationId xmlns:a16="http://schemas.microsoft.com/office/drawing/2014/main" id="{439E1F9A-E6EB-6CA1-D4BF-73F08F9D2881}"/>
+              </a:ext>
+            </a:extLst>
+          </p:cNvPr>
+          <p:cNvSpPr>
+            <a:spLocks noGrp="1"/>
+          </p:cNvSpPr>
+          <p:nvPr>
+            <p:ph idx="1"/>
+          </p:nvPr>
+        </p:nvSpPr>
+        <p:spPr/>
+        <p:txBody>
+          <a:bodyPr/>
+          <a:lstStyle/>
+          <a:p>
+            <a:endParaRPr kumimoji="1" lang="ja-JP" altLang="en-US"/>
+          </a:p>
+        </p:txBody>
+      </p:sp>
+      <p:pic>
+        <p:nvPicPr>
+          <p:cNvPr id="5" name="図 4" descr="グラフィカル ユーザー インターフェイス, アプリケーション, Word&#10;&#10;AI 生成コンテンツは誤りを含む可能性があります。">
+            <a:extLst>
+              <a:ext uri="{FF2B5EF4-FFF2-40B4-BE49-F238E27FC236}">
+                <a16:creationId xmlns:a16="http://schemas.microsoft.com/office/drawing/2014/main" id="{1DEFBD91-081A-5ABB-761F-75F100DF66C7}"/>
+              </a:ext>
+            </a:extLst>
+          </p:cNvPr>
+          <p:cNvPicPr>
+            <a:picLocks noChangeAspect="1"/>
+          </p:cNvPicPr>
+          <p:nvPr/>
+        </p:nvPicPr>
+        <p:blipFill>
+          <a:blip r:embed="rId2"/>
+          <a:stretch>
+            <a:fillRect/>
+          </a:stretch>
+        </p:blipFill>
+        <p:spPr>
+          <a:xfrm>
+            <a:off x="838200" y="2632570"/>
+            <a:ext cx="10515600" cy="3310578"/>
+          </a:xfrm>
+          <a:prstGeom prst="rect">
+            <a:avLst/>
+          </a:prstGeom>
+        </p:spPr>
+      </p:pic>
+    </p:spTree>
+    <p:extLst>
+      <p:ext uri="{BB962C8B-B14F-4D97-AF65-F5344CB8AC3E}">
+        <p14:creationId xmlns:p14="http://schemas.microsoft.com/office/powerpoint/2010/main" val="2601847108"/>
       </p:ext>
     </p:extLst>
   </p:cSld>

--- a/powerpoint/architecture.pptx
+++ b/powerpoint/architecture.pptx
@@ -8,8 +8,9 @@
     <p:sldId id="256" r:id="rId2"/>
     <p:sldId id="257" r:id="rId3"/>
     <p:sldId id="258" r:id="rId4"/>
-    <p:sldId id="259" r:id="rId5"/>
-    <p:sldId id="260" r:id="rId6"/>
+    <p:sldId id="261" r:id="rId5"/>
+    <p:sldId id="259" r:id="rId6"/>
+    <p:sldId id="260" r:id="rId7"/>
   </p:sldIdLst>
   <p:sldSz cx="12192000" cy="6858000"/>
   <p:notesSz cx="6858000" cy="9144000"/>
@@ -116,6 +117,146 @@
 </p:presentation>
 </file>
 
+<file path=ppt/changesInfos/changesInfo1.xml><?xml version="1.0" encoding="utf-8"?>
+<pc:chgInfo xmlns:a="http://schemas.openxmlformats.org/drawingml/2006/main" xmlns:r="http://schemas.openxmlformats.org/officeDocument/2006/relationships" xmlns:ac="http://schemas.microsoft.com/office/drawing/2013/main/command" xmlns:pc="http://schemas.microsoft.com/office/powerpoint/2013/main/command">
+  <pc:docChgLst>
+    <pc:chgData name="kyosuke noguchi" userId="1ce0b7b02077932e" providerId="LiveId" clId="{52A05523-B236-47E9-A0EE-41A81C3B15AA}"/>
+    <pc:docChg chg="undo custSel addSld modSld">
+      <pc:chgData name="kyosuke noguchi" userId="1ce0b7b02077932e" providerId="LiveId" clId="{52A05523-B236-47E9-A0EE-41A81C3B15AA}" dt="2026-02-15T01:58:22.678" v="9" actId="20577"/>
+      <pc:docMkLst>
+        <pc:docMk/>
+      </pc:docMkLst>
+      <pc:sldChg chg="modSp mod">
+        <pc:chgData name="kyosuke noguchi" userId="1ce0b7b02077932e" providerId="LiveId" clId="{52A05523-B236-47E9-A0EE-41A81C3B15AA}" dt="2026-02-15T01:56:48.502" v="3" actId="1076"/>
+        <pc:sldMkLst>
+          <pc:docMk/>
+          <pc:sldMk cId="1841151117" sldId="258"/>
+        </pc:sldMkLst>
+        <pc:spChg chg="mod">
+          <ac:chgData name="kyosuke noguchi" userId="1ce0b7b02077932e" providerId="LiveId" clId="{52A05523-B236-47E9-A0EE-41A81C3B15AA}" dt="2026-02-15T01:56:48.502" v="3" actId="1076"/>
+          <ac:spMkLst>
+            <pc:docMk/>
+            <pc:sldMk cId="1841151117" sldId="258"/>
+            <ac:spMk id="2" creationId="{436EE818-7B1D-EB06-0957-B1437791CC2C}"/>
+          </ac:spMkLst>
+        </pc:spChg>
+      </pc:sldChg>
+      <pc:sldChg chg="addSp delSp modSp add mod">
+        <pc:chgData name="kyosuke noguchi" userId="1ce0b7b02077932e" providerId="LiveId" clId="{52A05523-B236-47E9-A0EE-41A81C3B15AA}" dt="2026-02-15T01:58:22.678" v="9" actId="20577"/>
+        <pc:sldMkLst>
+          <pc:docMk/>
+          <pc:sldMk cId="295650312" sldId="261"/>
+        </pc:sldMkLst>
+        <pc:spChg chg="del">
+          <ac:chgData name="kyosuke noguchi" userId="1ce0b7b02077932e" providerId="LiveId" clId="{52A05523-B236-47E9-A0EE-41A81C3B15AA}" dt="2026-02-15T01:56:59.970" v="5" actId="478"/>
+          <ac:spMkLst>
+            <pc:docMk/>
+            <pc:sldMk cId="295650312" sldId="261"/>
+            <ac:spMk id="2" creationId="{0BCAE644-C84F-9960-87A5-F6B00388569D}"/>
+          </ac:spMkLst>
+        </pc:spChg>
+        <pc:spChg chg="add del mod">
+          <ac:chgData name="kyosuke noguchi" userId="1ce0b7b02077932e" providerId="LiveId" clId="{52A05523-B236-47E9-A0EE-41A81C3B15AA}" dt="2026-02-15T01:57:02.552" v="6" actId="478"/>
+          <ac:spMkLst>
+            <pc:docMk/>
+            <pc:sldMk cId="295650312" sldId="261"/>
+            <ac:spMk id="5" creationId="{E0A20B45-78C6-39A7-E3F9-4E15850C2642}"/>
+          </ac:spMkLst>
+        </pc:spChg>
+        <pc:spChg chg="mod">
+          <ac:chgData name="kyosuke noguchi" userId="1ce0b7b02077932e" providerId="LiveId" clId="{52A05523-B236-47E9-A0EE-41A81C3B15AA}" dt="2026-02-15T01:57:11.894" v="7" actId="1076"/>
+          <ac:spMkLst>
+            <pc:docMk/>
+            <pc:sldMk cId="295650312" sldId="261"/>
+            <ac:spMk id="25" creationId="{CD0D238E-5B4E-DAEC-C7DD-7F6C150A7F4A}"/>
+          </ac:spMkLst>
+        </pc:spChg>
+        <pc:spChg chg="mod">
+          <ac:chgData name="kyosuke noguchi" userId="1ce0b7b02077932e" providerId="LiveId" clId="{52A05523-B236-47E9-A0EE-41A81C3B15AA}" dt="2026-02-15T01:57:11.894" v="7" actId="1076"/>
+          <ac:spMkLst>
+            <pc:docMk/>
+            <pc:sldMk cId="295650312" sldId="261"/>
+            <ac:spMk id="32" creationId="{2F7DEF31-7199-DF90-AC45-1FD2A1644AE0}"/>
+          </ac:spMkLst>
+        </pc:spChg>
+        <pc:spChg chg="mod">
+          <ac:chgData name="kyosuke noguchi" userId="1ce0b7b02077932e" providerId="LiveId" clId="{52A05523-B236-47E9-A0EE-41A81C3B15AA}" dt="2026-02-15T01:57:11.894" v="7" actId="1076"/>
+          <ac:spMkLst>
+            <pc:docMk/>
+            <pc:sldMk cId="295650312" sldId="261"/>
+            <ac:spMk id="38" creationId="{A1F817C2-8235-B62C-3628-56F3AFF6CFC7}"/>
+          </ac:spMkLst>
+        </pc:spChg>
+        <pc:spChg chg="mod">
+          <ac:chgData name="kyosuke noguchi" userId="1ce0b7b02077932e" providerId="LiveId" clId="{52A05523-B236-47E9-A0EE-41A81C3B15AA}" dt="2026-02-15T01:57:11.894" v="7" actId="1076"/>
+          <ac:spMkLst>
+            <pc:docMk/>
+            <pc:sldMk cId="295650312" sldId="261"/>
+            <ac:spMk id="45" creationId="{0E4CFBF9-7A7B-931D-F8A6-94FEB30B88C3}"/>
+          </ac:spMkLst>
+        </pc:spChg>
+        <pc:spChg chg="mod">
+          <ac:chgData name="kyosuke noguchi" userId="1ce0b7b02077932e" providerId="LiveId" clId="{52A05523-B236-47E9-A0EE-41A81C3B15AA}" dt="2026-02-15T01:57:11.894" v="7" actId="1076"/>
+          <ac:spMkLst>
+            <pc:docMk/>
+            <pc:sldMk cId="295650312" sldId="261"/>
+            <ac:spMk id="48" creationId="{1CBC4FBB-DA6B-9961-714B-D5723A40C130}"/>
+          </ac:spMkLst>
+        </pc:spChg>
+        <pc:spChg chg="mod">
+          <ac:chgData name="kyosuke noguchi" userId="1ce0b7b02077932e" providerId="LiveId" clId="{52A05523-B236-47E9-A0EE-41A81C3B15AA}" dt="2026-02-15T01:57:11.894" v="7" actId="1076"/>
+          <ac:spMkLst>
+            <pc:docMk/>
+            <pc:sldMk cId="295650312" sldId="261"/>
+            <ac:spMk id="49" creationId="{5FCB492F-42BC-CC8D-9487-ECF46CCA7CCC}"/>
+          </ac:spMkLst>
+        </pc:spChg>
+        <pc:spChg chg="mod">
+          <ac:chgData name="kyosuke noguchi" userId="1ce0b7b02077932e" providerId="LiveId" clId="{52A05523-B236-47E9-A0EE-41A81C3B15AA}" dt="2026-02-15T01:57:11.894" v="7" actId="1076"/>
+          <ac:spMkLst>
+            <pc:docMk/>
+            <pc:sldMk cId="295650312" sldId="261"/>
+            <ac:spMk id="53" creationId="{040A185B-B77F-D12D-6C7E-5596AEF669ED}"/>
+          </ac:spMkLst>
+        </pc:spChg>
+        <pc:spChg chg="mod">
+          <ac:chgData name="kyosuke noguchi" userId="1ce0b7b02077932e" providerId="LiveId" clId="{52A05523-B236-47E9-A0EE-41A81C3B15AA}" dt="2026-02-15T01:58:22.678" v="9" actId="20577"/>
+          <ac:spMkLst>
+            <pc:docMk/>
+            <pc:sldMk cId="295650312" sldId="261"/>
+            <ac:spMk id="72" creationId="{EA1590C9-98D5-F25F-5A17-F745379E60A1}"/>
+          </ac:spMkLst>
+        </pc:spChg>
+        <pc:spChg chg="mod">
+          <ac:chgData name="kyosuke noguchi" userId="1ce0b7b02077932e" providerId="LiveId" clId="{52A05523-B236-47E9-A0EE-41A81C3B15AA}" dt="2026-02-15T01:57:11.894" v="7" actId="1076"/>
+          <ac:spMkLst>
+            <pc:docMk/>
+            <pc:sldMk cId="295650312" sldId="261"/>
+            <ac:spMk id="81" creationId="{5B7BE507-6CB7-D5F3-B336-ED36C7A888F9}"/>
+          </ac:spMkLst>
+        </pc:spChg>
+        <pc:spChg chg="mod">
+          <ac:chgData name="kyosuke noguchi" userId="1ce0b7b02077932e" providerId="LiveId" clId="{52A05523-B236-47E9-A0EE-41A81C3B15AA}" dt="2026-02-15T01:57:11.894" v="7" actId="1076"/>
+          <ac:spMkLst>
+            <pc:docMk/>
+            <pc:sldMk cId="295650312" sldId="261"/>
+            <ac:spMk id="89" creationId="{E53C5D0B-9E8D-4A65-F343-CB88788EFDAE}"/>
+          </ac:spMkLst>
+        </pc:spChg>
+        <pc:spChg chg="mod">
+          <ac:chgData name="kyosuke noguchi" userId="1ce0b7b02077932e" providerId="LiveId" clId="{52A05523-B236-47E9-A0EE-41A81C3B15AA}" dt="2026-02-15T01:57:11.894" v="7" actId="1076"/>
+          <ac:spMkLst>
+            <pc:docMk/>
+            <pc:sldMk cId="295650312" sldId="261"/>
+            <ac:spMk id="95" creationId="{62AFAA7B-1ED2-7C18-6D63-4E0FDAF6396C}"/>
+          </ac:spMkLst>
+        </pc:spChg>
+      </pc:sldChg>
+    </pc:docChg>
+  </pc:docChgLst>
+</pc:chgInfo>
+</file>
+
 <file path=ppt/slideLayouts/slideLayout1.xml><?xml version="1.0" encoding="utf-8"?>
 <p:sldLayout xmlns:a="http://schemas.openxmlformats.org/drawingml/2006/main" xmlns:r="http://schemas.openxmlformats.org/officeDocument/2006/relationships" xmlns:p="http://schemas.openxmlformats.org/presentationml/2006/main" type="title" preserve="1">
   <p:cSld name="Title Slide">
@@ -265,7 +406,7 @@
           <a:p>
             <a:fld id="{A62CEDEE-88EB-4474-B1A3-0708B5571860}" type="datetimeFigureOut">
               <a:rPr kumimoji="1" lang="ja-JP" altLang="en-US" smtClean="0"/>
-              <a:t>2026/2/14</a:t>
+              <a:t>2026/2/15</a:t>
             </a:fld>
             <a:endParaRPr kumimoji="1" lang="ja-JP" altLang="en-US"/>
           </a:p>
@@ -465,7 +606,7 @@
           <a:p>
             <a:fld id="{A62CEDEE-88EB-4474-B1A3-0708B5571860}" type="datetimeFigureOut">
               <a:rPr kumimoji="1" lang="ja-JP" altLang="en-US" smtClean="0"/>
-              <a:t>2026/2/14</a:t>
+              <a:t>2026/2/15</a:t>
             </a:fld>
             <a:endParaRPr kumimoji="1" lang="ja-JP" altLang="en-US"/>
           </a:p>
@@ -675,7 +816,7 @@
           <a:p>
             <a:fld id="{A62CEDEE-88EB-4474-B1A3-0708B5571860}" type="datetimeFigureOut">
               <a:rPr kumimoji="1" lang="ja-JP" altLang="en-US" smtClean="0"/>
-              <a:t>2026/2/14</a:t>
+              <a:t>2026/2/15</a:t>
             </a:fld>
             <a:endParaRPr kumimoji="1" lang="ja-JP" altLang="en-US"/>
           </a:p>
@@ -875,7 +1016,7 @@
           <a:p>
             <a:fld id="{A62CEDEE-88EB-4474-B1A3-0708B5571860}" type="datetimeFigureOut">
               <a:rPr kumimoji="1" lang="ja-JP" altLang="en-US" smtClean="0"/>
-              <a:t>2026/2/14</a:t>
+              <a:t>2026/2/15</a:t>
             </a:fld>
             <a:endParaRPr kumimoji="1" lang="ja-JP" altLang="en-US"/>
           </a:p>
@@ -1151,7 +1292,7 @@
           <a:p>
             <a:fld id="{A62CEDEE-88EB-4474-B1A3-0708B5571860}" type="datetimeFigureOut">
               <a:rPr kumimoji="1" lang="ja-JP" altLang="en-US" smtClean="0"/>
-              <a:t>2026/2/14</a:t>
+              <a:t>2026/2/15</a:t>
             </a:fld>
             <a:endParaRPr kumimoji="1" lang="ja-JP" altLang="en-US"/>
           </a:p>
@@ -1419,7 +1560,7 @@
           <a:p>
             <a:fld id="{A62CEDEE-88EB-4474-B1A3-0708B5571860}" type="datetimeFigureOut">
               <a:rPr kumimoji="1" lang="ja-JP" altLang="en-US" smtClean="0"/>
-              <a:t>2026/2/14</a:t>
+              <a:t>2026/2/15</a:t>
             </a:fld>
             <a:endParaRPr kumimoji="1" lang="ja-JP" altLang="en-US"/>
           </a:p>
@@ -1834,7 +1975,7 @@
           <a:p>
             <a:fld id="{A62CEDEE-88EB-4474-B1A3-0708B5571860}" type="datetimeFigureOut">
               <a:rPr kumimoji="1" lang="ja-JP" altLang="en-US" smtClean="0"/>
-              <a:t>2026/2/14</a:t>
+              <a:t>2026/2/15</a:t>
             </a:fld>
             <a:endParaRPr kumimoji="1" lang="ja-JP" altLang="en-US"/>
           </a:p>
@@ -1976,7 +2117,7 @@
           <a:p>
             <a:fld id="{A62CEDEE-88EB-4474-B1A3-0708B5571860}" type="datetimeFigureOut">
               <a:rPr kumimoji="1" lang="ja-JP" altLang="en-US" smtClean="0"/>
-              <a:t>2026/2/14</a:t>
+              <a:t>2026/2/15</a:t>
             </a:fld>
             <a:endParaRPr kumimoji="1" lang="ja-JP" altLang="en-US"/>
           </a:p>
@@ -2089,7 +2230,7 @@
           <a:p>
             <a:fld id="{A62CEDEE-88EB-4474-B1A3-0708B5571860}" type="datetimeFigureOut">
               <a:rPr kumimoji="1" lang="ja-JP" altLang="en-US" smtClean="0"/>
-              <a:t>2026/2/14</a:t>
+              <a:t>2026/2/15</a:t>
             </a:fld>
             <a:endParaRPr kumimoji="1" lang="ja-JP" altLang="en-US"/>
           </a:p>
@@ -2402,7 +2543,7 @@
           <a:p>
             <a:fld id="{A62CEDEE-88EB-4474-B1A3-0708B5571860}" type="datetimeFigureOut">
               <a:rPr kumimoji="1" lang="ja-JP" altLang="en-US" smtClean="0"/>
-              <a:t>2026/2/14</a:t>
+              <a:t>2026/2/15</a:t>
             </a:fld>
             <a:endParaRPr kumimoji="1" lang="ja-JP" altLang="en-US"/>
           </a:p>
@@ -2691,7 +2832,7 @@
           <a:p>
             <a:fld id="{A62CEDEE-88EB-4474-B1A3-0708B5571860}" type="datetimeFigureOut">
               <a:rPr kumimoji="1" lang="ja-JP" altLang="en-US" smtClean="0"/>
-              <a:t>2026/2/14</a:t>
+              <a:t>2026/2/15</a:t>
             </a:fld>
             <a:endParaRPr kumimoji="1" lang="ja-JP" altLang="en-US"/>
           </a:p>
@@ -2934,7 +3075,7 @@
           <a:p>
             <a:fld id="{A62CEDEE-88EB-4474-B1A3-0708B5571860}" type="datetimeFigureOut">
               <a:rPr kumimoji="1" lang="ja-JP" altLang="en-US" smtClean="0"/>
-              <a:t>2026/2/14</a:t>
+              <a:t>2026/2/15</a:t>
             </a:fld>
             <a:endParaRPr kumimoji="1" lang="ja-JP" altLang="en-US"/>
           </a:p>
@@ -5959,6 +6100,1390 @@
   <p:cSld>
     <p:spTree>
       <p:nvGrpSpPr>
+        <p:cNvPr id="1" name="">
+          <a:extLst>
+            <a:ext uri="{FF2B5EF4-FFF2-40B4-BE49-F238E27FC236}">
+              <a16:creationId xmlns:a16="http://schemas.microsoft.com/office/drawing/2014/main" id="{9A8AFEDF-7358-E7D5-058A-783259EA9516}"/>
+            </a:ext>
+          </a:extLst>
+        </p:cNvPr>
+        <p:cNvGrpSpPr/>
+        <p:nvPr/>
+      </p:nvGrpSpPr>
+      <p:grpSpPr>
+        <a:xfrm>
+          <a:off x="0" y="0"/>
+          <a:ext cx="0" cy="0"/>
+          <a:chOff x="0" y="0"/>
+          <a:chExt cx="0" cy="0"/>
+        </a:xfrm>
+      </p:grpSpPr>
+      <p:sp>
+        <p:nvSpPr>
+          <p:cNvPr id="4" name="フローチャート: 結合子 3">
+            <a:extLst>
+              <a:ext uri="{FF2B5EF4-FFF2-40B4-BE49-F238E27FC236}">
+                <a16:creationId xmlns:a16="http://schemas.microsoft.com/office/drawing/2014/main" id="{C6F01497-9AD1-73CB-9C26-7A99E8D826AC}"/>
+              </a:ext>
+            </a:extLst>
+          </p:cNvPr>
+          <p:cNvSpPr/>
+          <p:nvPr/>
+        </p:nvSpPr>
+        <p:spPr>
+          <a:xfrm>
+            <a:off x="1492727" y="1021302"/>
+            <a:ext cx="365760" cy="344978"/>
+          </a:xfrm>
+          <a:prstGeom prst="flowChartConnector">
+            <a:avLst/>
+          </a:prstGeom>
+          <a:ln>
+            <a:solidFill>
+              <a:schemeClr val="tx1"/>
+            </a:solidFill>
+          </a:ln>
+        </p:spPr>
+        <p:style>
+          <a:lnRef idx="2">
+            <a:schemeClr val="accent6"/>
+          </a:lnRef>
+          <a:fillRef idx="1">
+            <a:schemeClr val="lt1"/>
+          </a:fillRef>
+          <a:effectRef idx="0">
+            <a:schemeClr val="accent6"/>
+          </a:effectRef>
+          <a:fontRef idx="minor">
+            <a:schemeClr val="dk1"/>
+          </a:fontRef>
+        </p:style>
+        <p:txBody>
+          <a:bodyPr rtlCol="0" anchor="ctr"/>
+          <a:lstStyle/>
+          <a:p>
+            <a:pPr algn="ctr"/>
+            <a:endParaRPr kumimoji="1" lang="ja-JP" altLang="en-US"/>
+          </a:p>
+        </p:txBody>
+      </p:sp>
+      <p:cxnSp>
+        <p:nvCxnSpPr>
+          <p:cNvPr id="6" name="直線コネクタ 5">
+            <a:extLst>
+              <a:ext uri="{FF2B5EF4-FFF2-40B4-BE49-F238E27FC236}">
+                <a16:creationId xmlns:a16="http://schemas.microsoft.com/office/drawing/2014/main" id="{DCBE55DB-690F-F3C6-521F-9C9E00ACDD38}"/>
+              </a:ext>
+            </a:extLst>
+          </p:cNvPr>
+          <p:cNvCxnSpPr/>
+          <p:nvPr/>
+        </p:nvCxnSpPr>
+        <p:spPr>
+          <a:xfrm>
+            <a:off x="1326472" y="1549160"/>
+            <a:ext cx="731520" cy="0"/>
+          </a:xfrm>
+          <a:prstGeom prst="line">
+            <a:avLst/>
+          </a:prstGeom>
+        </p:spPr>
+        <p:style>
+          <a:lnRef idx="2">
+            <a:schemeClr val="dk1"/>
+          </a:lnRef>
+          <a:fillRef idx="0">
+            <a:schemeClr val="dk1"/>
+          </a:fillRef>
+          <a:effectRef idx="1">
+            <a:schemeClr val="dk1"/>
+          </a:effectRef>
+          <a:fontRef idx="minor">
+            <a:schemeClr val="tx1"/>
+          </a:fontRef>
+        </p:style>
+      </p:cxnSp>
+      <p:cxnSp>
+        <p:nvCxnSpPr>
+          <p:cNvPr id="7" name="直線コネクタ 6">
+            <a:extLst>
+              <a:ext uri="{FF2B5EF4-FFF2-40B4-BE49-F238E27FC236}">
+                <a16:creationId xmlns:a16="http://schemas.microsoft.com/office/drawing/2014/main" id="{F14802F1-D04C-D20A-76E1-1B7CE37C853F}"/>
+              </a:ext>
+            </a:extLst>
+          </p:cNvPr>
+          <p:cNvCxnSpPr>
+            <a:cxnSpLocks/>
+            <a:stCxn id="4" idx="4"/>
+          </p:cNvCxnSpPr>
+          <p:nvPr/>
+        </p:nvCxnSpPr>
+        <p:spPr>
+          <a:xfrm>
+            <a:off x="1675607" y="1366280"/>
+            <a:ext cx="0" cy="465513"/>
+          </a:xfrm>
+          <a:prstGeom prst="line">
+            <a:avLst/>
+          </a:prstGeom>
+        </p:spPr>
+        <p:style>
+          <a:lnRef idx="2">
+            <a:schemeClr val="dk1"/>
+          </a:lnRef>
+          <a:fillRef idx="0">
+            <a:schemeClr val="dk1"/>
+          </a:fillRef>
+          <a:effectRef idx="1">
+            <a:schemeClr val="dk1"/>
+          </a:effectRef>
+          <a:fontRef idx="minor">
+            <a:schemeClr val="tx1"/>
+          </a:fontRef>
+        </p:style>
+      </p:cxnSp>
+      <p:cxnSp>
+        <p:nvCxnSpPr>
+          <p:cNvPr id="11" name="直線コネクタ 10">
+            <a:extLst>
+              <a:ext uri="{FF2B5EF4-FFF2-40B4-BE49-F238E27FC236}">
+                <a16:creationId xmlns:a16="http://schemas.microsoft.com/office/drawing/2014/main" id="{C2229BE1-D3CB-D118-8C53-CD2441BE4089}"/>
+              </a:ext>
+            </a:extLst>
+          </p:cNvPr>
+          <p:cNvCxnSpPr>
+            <a:cxnSpLocks/>
+          </p:cNvCxnSpPr>
+          <p:nvPr/>
+        </p:nvCxnSpPr>
+        <p:spPr>
+          <a:xfrm flipH="1">
+            <a:off x="1392281" y="1831793"/>
+            <a:ext cx="283325" cy="298219"/>
+          </a:xfrm>
+          <a:prstGeom prst="line">
+            <a:avLst/>
+          </a:prstGeom>
+        </p:spPr>
+        <p:style>
+          <a:lnRef idx="2">
+            <a:schemeClr val="dk1"/>
+          </a:lnRef>
+          <a:fillRef idx="0">
+            <a:schemeClr val="dk1"/>
+          </a:fillRef>
+          <a:effectRef idx="1">
+            <a:schemeClr val="dk1"/>
+          </a:effectRef>
+          <a:fontRef idx="minor">
+            <a:schemeClr val="tx1"/>
+          </a:fontRef>
+        </p:style>
+      </p:cxnSp>
+      <p:cxnSp>
+        <p:nvCxnSpPr>
+          <p:cNvPr id="17" name="直線コネクタ 16">
+            <a:extLst>
+              <a:ext uri="{FF2B5EF4-FFF2-40B4-BE49-F238E27FC236}">
+                <a16:creationId xmlns:a16="http://schemas.microsoft.com/office/drawing/2014/main" id="{ADF046C8-2689-11D1-8C4F-9662F1F3E8F6}"/>
+              </a:ext>
+            </a:extLst>
+          </p:cNvPr>
+          <p:cNvCxnSpPr>
+            <a:cxnSpLocks/>
+          </p:cNvCxnSpPr>
+          <p:nvPr/>
+        </p:nvCxnSpPr>
+        <p:spPr>
+          <a:xfrm>
+            <a:off x="1675606" y="1831793"/>
+            <a:ext cx="291985" cy="298219"/>
+          </a:xfrm>
+          <a:prstGeom prst="line">
+            <a:avLst/>
+          </a:prstGeom>
+        </p:spPr>
+        <p:style>
+          <a:lnRef idx="2">
+            <a:schemeClr val="dk1"/>
+          </a:lnRef>
+          <a:fillRef idx="0">
+            <a:schemeClr val="dk1"/>
+          </a:fillRef>
+          <a:effectRef idx="1">
+            <a:schemeClr val="dk1"/>
+          </a:effectRef>
+          <a:fontRef idx="minor">
+            <a:schemeClr val="tx1"/>
+          </a:fontRef>
+        </p:style>
+      </p:cxnSp>
+      <p:sp>
+        <p:nvSpPr>
+          <p:cNvPr id="25" name="フローチャート: 結合子 24">
+            <a:extLst>
+              <a:ext uri="{FF2B5EF4-FFF2-40B4-BE49-F238E27FC236}">
+                <a16:creationId xmlns:a16="http://schemas.microsoft.com/office/drawing/2014/main" id="{CD0D238E-5B4E-DAEC-C7DD-7F6C150A7F4A}"/>
+              </a:ext>
+            </a:extLst>
+          </p:cNvPr>
+          <p:cNvSpPr/>
+          <p:nvPr/>
+        </p:nvSpPr>
+        <p:spPr>
+          <a:xfrm>
+            <a:off x="1448829" y="4411930"/>
+            <a:ext cx="365760" cy="344978"/>
+          </a:xfrm>
+          <a:prstGeom prst="flowChartConnector">
+            <a:avLst/>
+          </a:prstGeom>
+          <a:ln>
+            <a:solidFill>
+              <a:schemeClr val="tx1"/>
+            </a:solidFill>
+          </a:ln>
+        </p:spPr>
+        <p:style>
+          <a:lnRef idx="2">
+            <a:schemeClr val="accent6"/>
+          </a:lnRef>
+          <a:fillRef idx="1">
+            <a:schemeClr val="lt1"/>
+          </a:fillRef>
+          <a:effectRef idx="0">
+            <a:schemeClr val="accent6"/>
+          </a:effectRef>
+          <a:fontRef idx="minor">
+            <a:schemeClr val="dk1"/>
+          </a:fontRef>
+        </p:style>
+        <p:txBody>
+          <a:bodyPr rtlCol="0" anchor="ctr"/>
+          <a:lstStyle/>
+          <a:p>
+            <a:pPr algn="ctr"/>
+            <a:endParaRPr kumimoji="1" lang="ja-JP" altLang="en-US"/>
+          </a:p>
+        </p:txBody>
+      </p:sp>
+      <p:cxnSp>
+        <p:nvCxnSpPr>
+          <p:cNvPr id="26" name="直線コネクタ 25">
+            <a:extLst>
+              <a:ext uri="{FF2B5EF4-FFF2-40B4-BE49-F238E27FC236}">
+                <a16:creationId xmlns:a16="http://schemas.microsoft.com/office/drawing/2014/main" id="{0B7EDF3A-481D-B46F-F888-743716544D5E}"/>
+              </a:ext>
+            </a:extLst>
+          </p:cNvPr>
+          <p:cNvCxnSpPr/>
+          <p:nvPr/>
+        </p:nvCxnSpPr>
+        <p:spPr>
+          <a:xfrm>
+            <a:off x="1282574" y="4939788"/>
+            <a:ext cx="731520" cy="0"/>
+          </a:xfrm>
+          <a:prstGeom prst="line">
+            <a:avLst/>
+          </a:prstGeom>
+        </p:spPr>
+        <p:style>
+          <a:lnRef idx="2">
+            <a:schemeClr val="dk1"/>
+          </a:lnRef>
+          <a:fillRef idx="0">
+            <a:schemeClr val="dk1"/>
+          </a:fillRef>
+          <a:effectRef idx="1">
+            <a:schemeClr val="dk1"/>
+          </a:effectRef>
+          <a:fontRef idx="minor">
+            <a:schemeClr val="tx1"/>
+          </a:fontRef>
+        </p:style>
+      </p:cxnSp>
+      <p:cxnSp>
+        <p:nvCxnSpPr>
+          <p:cNvPr id="27" name="直線コネクタ 26">
+            <a:extLst>
+              <a:ext uri="{FF2B5EF4-FFF2-40B4-BE49-F238E27FC236}">
+                <a16:creationId xmlns:a16="http://schemas.microsoft.com/office/drawing/2014/main" id="{BC7E23DC-1243-44A7-2CD2-5DE3B1F3216F}"/>
+              </a:ext>
+            </a:extLst>
+          </p:cNvPr>
+          <p:cNvCxnSpPr>
+            <a:cxnSpLocks/>
+            <a:stCxn id="25" idx="4"/>
+          </p:cNvCxnSpPr>
+          <p:nvPr/>
+        </p:nvCxnSpPr>
+        <p:spPr>
+          <a:xfrm>
+            <a:off x="1631709" y="4756908"/>
+            <a:ext cx="0" cy="465513"/>
+          </a:xfrm>
+          <a:prstGeom prst="line">
+            <a:avLst/>
+          </a:prstGeom>
+        </p:spPr>
+        <p:style>
+          <a:lnRef idx="2">
+            <a:schemeClr val="dk1"/>
+          </a:lnRef>
+          <a:fillRef idx="0">
+            <a:schemeClr val="dk1"/>
+          </a:fillRef>
+          <a:effectRef idx="1">
+            <a:schemeClr val="dk1"/>
+          </a:effectRef>
+          <a:fontRef idx="minor">
+            <a:schemeClr val="tx1"/>
+          </a:fontRef>
+        </p:style>
+      </p:cxnSp>
+      <p:cxnSp>
+        <p:nvCxnSpPr>
+          <p:cNvPr id="28" name="直線コネクタ 27">
+            <a:extLst>
+              <a:ext uri="{FF2B5EF4-FFF2-40B4-BE49-F238E27FC236}">
+                <a16:creationId xmlns:a16="http://schemas.microsoft.com/office/drawing/2014/main" id="{89EE887D-50CD-35C6-68A5-E26EAD16AC1F}"/>
+              </a:ext>
+            </a:extLst>
+          </p:cNvPr>
+          <p:cNvCxnSpPr>
+            <a:cxnSpLocks/>
+          </p:cNvCxnSpPr>
+          <p:nvPr/>
+        </p:nvCxnSpPr>
+        <p:spPr>
+          <a:xfrm flipH="1">
+            <a:off x="1348383" y="5222421"/>
+            <a:ext cx="283325" cy="298219"/>
+          </a:xfrm>
+          <a:prstGeom prst="line">
+            <a:avLst/>
+          </a:prstGeom>
+        </p:spPr>
+        <p:style>
+          <a:lnRef idx="2">
+            <a:schemeClr val="dk1"/>
+          </a:lnRef>
+          <a:fillRef idx="0">
+            <a:schemeClr val="dk1"/>
+          </a:fillRef>
+          <a:effectRef idx="1">
+            <a:schemeClr val="dk1"/>
+          </a:effectRef>
+          <a:fontRef idx="minor">
+            <a:schemeClr val="tx1"/>
+          </a:fontRef>
+        </p:style>
+      </p:cxnSp>
+      <p:cxnSp>
+        <p:nvCxnSpPr>
+          <p:cNvPr id="29" name="直線コネクタ 28">
+            <a:extLst>
+              <a:ext uri="{FF2B5EF4-FFF2-40B4-BE49-F238E27FC236}">
+                <a16:creationId xmlns:a16="http://schemas.microsoft.com/office/drawing/2014/main" id="{029BA6CF-7B80-37A1-2298-26A13137A314}"/>
+              </a:ext>
+            </a:extLst>
+          </p:cNvPr>
+          <p:cNvCxnSpPr>
+            <a:cxnSpLocks/>
+          </p:cNvCxnSpPr>
+          <p:nvPr/>
+        </p:nvCxnSpPr>
+        <p:spPr>
+          <a:xfrm>
+            <a:off x="1631708" y="5222421"/>
+            <a:ext cx="291985" cy="298219"/>
+          </a:xfrm>
+          <a:prstGeom prst="line">
+            <a:avLst/>
+          </a:prstGeom>
+        </p:spPr>
+        <p:style>
+          <a:lnRef idx="2">
+            <a:schemeClr val="dk1"/>
+          </a:lnRef>
+          <a:fillRef idx="0">
+            <a:schemeClr val="dk1"/>
+          </a:fillRef>
+          <a:effectRef idx="1">
+            <a:schemeClr val="dk1"/>
+          </a:effectRef>
+          <a:fontRef idx="minor">
+            <a:schemeClr val="tx1"/>
+          </a:fontRef>
+        </p:style>
+      </p:cxnSp>
+      <p:sp>
+        <p:nvSpPr>
+          <p:cNvPr id="30" name="テキスト ボックス 29">
+            <a:extLst>
+              <a:ext uri="{FF2B5EF4-FFF2-40B4-BE49-F238E27FC236}">
+                <a16:creationId xmlns:a16="http://schemas.microsoft.com/office/drawing/2014/main" id="{AD752268-445B-8E1D-84F8-9E825A2DA184}"/>
+              </a:ext>
+            </a:extLst>
+          </p:cNvPr>
+          <p:cNvSpPr txBox="1"/>
+          <p:nvPr/>
+        </p:nvSpPr>
+        <p:spPr>
+          <a:xfrm>
+            <a:off x="1095379" y="2167599"/>
+            <a:ext cx="1072657" cy="369332"/>
+          </a:xfrm>
+          <a:prstGeom prst="rect">
+            <a:avLst/>
+          </a:prstGeom>
+          <a:noFill/>
+        </p:spPr>
+        <p:txBody>
+          <a:bodyPr wrap="square" rtlCol="0">
+            <a:spAutoFit/>
+          </a:bodyPr>
+          <a:lstStyle/>
+          <a:p>
+            <a:r>
+              <a:rPr kumimoji="1" lang="ja-JP" altLang="en-US" dirty="0">
+                <a:latin typeface="ＭＳ Ｐゴシック" panose="020B0600070205080204" pitchFamily="50" charset="-128"/>
+                <a:ea typeface="ＭＳ Ｐゴシック" panose="020B0600070205080204" pitchFamily="50" charset="-128"/>
+              </a:rPr>
+              <a:t>ユーザ</a:t>
+            </a:r>
+          </a:p>
+        </p:txBody>
+      </p:sp>
+      <p:sp>
+        <p:nvSpPr>
+          <p:cNvPr id="32" name="テキスト ボックス 31">
+            <a:extLst>
+              <a:ext uri="{FF2B5EF4-FFF2-40B4-BE49-F238E27FC236}">
+                <a16:creationId xmlns:a16="http://schemas.microsoft.com/office/drawing/2014/main" id="{2F7DEF31-7199-DF90-AC45-1FD2A1644AE0}"/>
+              </a:ext>
+            </a:extLst>
+          </p:cNvPr>
+          <p:cNvSpPr txBox="1"/>
+          <p:nvPr/>
+        </p:nvSpPr>
+        <p:spPr>
+          <a:xfrm>
+            <a:off x="1159042" y="5558227"/>
+            <a:ext cx="1072657" cy="369332"/>
+          </a:xfrm>
+          <a:prstGeom prst="rect">
+            <a:avLst/>
+          </a:prstGeom>
+          <a:noFill/>
+        </p:spPr>
+        <p:txBody>
+          <a:bodyPr wrap="square" rtlCol="0">
+            <a:spAutoFit/>
+          </a:bodyPr>
+          <a:lstStyle/>
+          <a:p>
+            <a:r>
+              <a:rPr kumimoji="1" lang="ja-JP" altLang="en-US" dirty="0">
+                <a:latin typeface="ＭＳ Ｐゴシック" panose="020B0600070205080204" pitchFamily="50" charset="-128"/>
+                <a:ea typeface="ＭＳ Ｐゴシック" panose="020B0600070205080204" pitchFamily="50" charset="-128"/>
+              </a:rPr>
+              <a:t>管理者</a:t>
+            </a:r>
+          </a:p>
+        </p:txBody>
+      </p:sp>
+      <p:cxnSp>
+        <p:nvCxnSpPr>
+          <p:cNvPr id="33" name="直線コネクタ 32">
+            <a:extLst>
+              <a:ext uri="{FF2B5EF4-FFF2-40B4-BE49-F238E27FC236}">
+                <a16:creationId xmlns:a16="http://schemas.microsoft.com/office/drawing/2014/main" id="{B302DF45-E076-BD7E-9241-19D9F396FA2B}"/>
+              </a:ext>
+            </a:extLst>
+          </p:cNvPr>
+          <p:cNvCxnSpPr>
+            <a:cxnSpLocks/>
+            <a:endCxn id="38" idx="2"/>
+          </p:cNvCxnSpPr>
+          <p:nvPr/>
+        </p:nvCxnSpPr>
+        <p:spPr>
+          <a:xfrm flipV="1">
+            <a:off x="2263915" y="2339404"/>
+            <a:ext cx="866734" cy="403"/>
+          </a:xfrm>
+          <a:prstGeom prst="line">
+            <a:avLst/>
+          </a:prstGeom>
+        </p:spPr>
+        <p:style>
+          <a:lnRef idx="2">
+            <a:schemeClr val="dk1"/>
+          </a:lnRef>
+          <a:fillRef idx="0">
+            <a:schemeClr val="dk1"/>
+          </a:fillRef>
+          <a:effectRef idx="1">
+            <a:schemeClr val="dk1"/>
+          </a:effectRef>
+          <a:fontRef idx="minor">
+            <a:schemeClr val="tx1"/>
+          </a:fontRef>
+        </p:style>
+      </p:cxnSp>
+      <p:cxnSp>
+        <p:nvCxnSpPr>
+          <p:cNvPr id="36" name="直線コネクタ 35">
+            <a:extLst>
+              <a:ext uri="{FF2B5EF4-FFF2-40B4-BE49-F238E27FC236}">
+                <a16:creationId xmlns:a16="http://schemas.microsoft.com/office/drawing/2014/main" id="{6C530F5B-8230-6FEC-8585-23B961969827}"/>
+              </a:ext>
+            </a:extLst>
+          </p:cNvPr>
+          <p:cNvCxnSpPr>
+            <a:cxnSpLocks/>
+            <a:endCxn id="45" idx="2"/>
+          </p:cNvCxnSpPr>
+          <p:nvPr/>
+        </p:nvCxnSpPr>
+        <p:spPr>
+          <a:xfrm>
+            <a:off x="2263915" y="5176362"/>
+            <a:ext cx="878414" cy="0"/>
+          </a:xfrm>
+          <a:prstGeom prst="line">
+            <a:avLst/>
+          </a:prstGeom>
+        </p:spPr>
+        <p:style>
+          <a:lnRef idx="2">
+            <a:schemeClr val="dk1"/>
+          </a:lnRef>
+          <a:fillRef idx="0">
+            <a:schemeClr val="dk1"/>
+          </a:fillRef>
+          <a:effectRef idx="1">
+            <a:schemeClr val="dk1"/>
+          </a:effectRef>
+          <a:fontRef idx="minor">
+            <a:schemeClr val="tx1"/>
+          </a:fontRef>
+        </p:style>
+      </p:cxnSp>
+      <p:sp>
+        <p:nvSpPr>
+          <p:cNvPr id="38" name="楕円 37">
+            <a:extLst>
+              <a:ext uri="{FF2B5EF4-FFF2-40B4-BE49-F238E27FC236}">
+                <a16:creationId xmlns:a16="http://schemas.microsoft.com/office/drawing/2014/main" id="{A1F817C2-8235-B62C-3628-56F3AFF6CFC7}"/>
+              </a:ext>
+            </a:extLst>
+          </p:cNvPr>
+          <p:cNvSpPr/>
+          <p:nvPr/>
+        </p:nvSpPr>
+        <p:spPr>
+          <a:xfrm>
+            <a:off x="3130649" y="2106647"/>
+            <a:ext cx="2502866" cy="465513"/>
+          </a:xfrm>
+          <a:prstGeom prst="ellipse">
+            <a:avLst/>
+          </a:prstGeom>
+          <a:ln>
+            <a:solidFill>
+              <a:schemeClr val="tx1"/>
+            </a:solidFill>
+          </a:ln>
+        </p:spPr>
+        <p:style>
+          <a:lnRef idx="2">
+            <a:schemeClr val="accent6"/>
+          </a:lnRef>
+          <a:fillRef idx="1">
+            <a:schemeClr val="lt1"/>
+          </a:fillRef>
+          <a:effectRef idx="0">
+            <a:schemeClr val="accent6"/>
+          </a:effectRef>
+          <a:fontRef idx="minor">
+            <a:schemeClr val="dk1"/>
+          </a:fontRef>
+        </p:style>
+        <p:txBody>
+          <a:bodyPr rtlCol="0" anchor="ctr"/>
+          <a:lstStyle/>
+          <a:p>
+            <a:pPr algn="ctr"/>
+            <a:r>
+              <a:rPr kumimoji="1" lang="ja-JP" altLang="en-US" dirty="0">
+                <a:latin typeface="ＭＳ Ｐゴシック" panose="020B0600070205080204" pitchFamily="50" charset="-128"/>
+                <a:ea typeface="ＭＳ Ｐゴシック" panose="020B0600070205080204" pitchFamily="50" charset="-128"/>
+              </a:rPr>
+              <a:t>質問を投稿する</a:t>
+            </a:r>
+          </a:p>
+        </p:txBody>
+      </p:sp>
+      <p:sp>
+        <p:nvSpPr>
+          <p:cNvPr id="45" name="楕円 44">
+            <a:extLst>
+              <a:ext uri="{FF2B5EF4-FFF2-40B4-BE49-F238E27FC236}">
+                <a16:creationId xmlns:a16="http://schemas.microsoft.com/office/drawing/2014/main" id="{0E4CFBF9-7A7B-931D-F8A6-94FEB30B88C3}"/>
+              </a:ext>
+            </a:extLst>
+          </p:cNvPr>
+          <p:cNvSpPr/>
+          <p:nvPr/>
+        </p:nvSpPr>
+        <p:spPr>
+          <a:xfrm>
+            <a:off x="3142329" y="4794496"/>
+            <a:ext cx="2502866" cy="763731"/>
+          </a:xfrm>
+          <a:prstGeom prst="ellipse">
+            <a:avLst/>
+          </a:prstGeom>
+          <a:ln>
+            <a:solidFill>
+              <a:schemeClr val="tx1"/>
+            </a:solidFill>
+          </a:ln>
+        </p:spPr>
+        <p:style>
+          <a:lnRef idx="2">
+            <a:schemeClr val="accent6"/>
+          </a:lnRef>
+          <a:fillRef idx="1">
+            <a:schemeClr val="lt1"/>
+          </a:fillRef>
+          <a:effectRef idx="0">
+            <a:schemeClr val="accent6"/>
+          </a:effectRef>
+          <a:fontRef idx="minor">
+            <a:schemeClr val="dk1"/>
+          </a:fontRef>
+        </p:style>
+        <p:txBody>
+          <a:bodyPr rtlCol="0" anchor="ctr"/>
+          <a:lstStyle/>
+          <a:p>
+            <a:pPr algn="ctr"/>
+            <a:r>
+              <a:rPr kumimoji="1" lang="ja-JP" altLang="en-US" dirty="0">
+                <a:latin typeface="ＭＳ Ｐゴシック" panose="020B0600070205080204" pitchFamily="50" charset="-128"/>
+                <a:ea typeface="ＭＳ Ｐゴシック" panose="020B0600070205080204" pitchFamily="50" charset="-128"/>
+              </a:rPr>
+              <a:t>メール認証</a:t>
+            </a:r>
+          </a:p>
+        </p:txBody>
+      </p:sp>
+      <p:sp>
+        <p:nvSpPr>
+          <p:cNvPr id="48" name="楕円 47">
+            <a:extLst>
+              <a:ext uri="{FF2B5EF4-FFF2-40B4-BE49-F238E27FC236}">
+                <a16:creationId xmlns:a16="http://schemas.microsoft.com/office/drawing/2014/main" id="{1CBC4FBB-DA6B-9961-714B-D5723A40C130}"/>
+              </a:ext>
+            </a:extLst>
+          </p:cNvPr>
+          <p:cNvSpPr/>
+          <p:nvPr/>
+        </p:nvSpPr>
+        <p:spPr>
+          <a:xfrm>
+            <a:off x="6416842" y="1957537"/>
+            <a:ext cx="2502866" cy="763731"/>
+          </a:xfrm>
+          <a:prstGeom prst="ellipse">
+            <a:avLst/>
+          </a:prstGeom>
+          <a:ln>
+            <a:solidFill>
+              <a:schemeClr val="tx1"/>
+            </a:solidFill>
+          </a:ln>
+        </p:spPr>
+        <p:style>
+          <a:lnRef idx="2">
+            <a:schemeClr val="accent6"/>
+          </a:lnRef>
+          <a:fillRef idx="1">
+            <a:schemeClr val="lt1"/>
+          </a:fillRef>
+          <a:effectRef idx="0">
+            <a:schemeClr val="accent6"/>
+          </a:effectRef>
+          <a:fontRef idx="minor">
+            <a:schemeClr val="dk1"/>
+          </a:fontRef>
+        </p:style>
+        <p:txBody>
+          <a:bodyPr rtlCol="0" anchor="ctr"/>
+          <a:lstStyle/>
+          <a:p>
+            <a:pPr algn="ctr"/>
+            <a:r>
+              <a:rPr kumimoji="1" lang="ja-JP" altLang="en-US" dirty="0">
+                <a:latin typeface="ＭＳ Ｐゴシック" panose="020B0600070205080204" pitchFamily="50" charset="-128"/>
+                <a:ea typeface="ＭＳ Ｐゴシック" panose="020B0600070205080204" pitchFamily="50" charset="-128"/>
+              </a:rPr>
+              <a:t>質問を編集する</a:t>
+            </a:r>
+          </a:p>
+        </p:txBody>
+      </p:sp>
+      <p:sp>
+        <p:nvSpPr>
+          <p:cNvPr id="49" name="楕円 48">
+            <a:extLst>
+              <a:ext uri="{FF2B5EF4-FFF2-40B4-BE49-F238E27FC236}">
+                <a16:creationId xmlns:a16="http://schemas.microsoft.com/office/drawing/2014/main" id="{5FCB492F-42BC-CC8D-9487-ECF46CCA7CCC}"/>
+              </a:ext>
+            </a:extLst>
+          </p:cNvPr>
+          <p:cNvSpPr/>
+          <p:nvPr/>
+        </p:nvSpPr>
+        <p:spPr>
+          <a:xfrm>
+            <a:off x="3130649" y="2795079"/>
+            <a:ext cx="2502866" cy="465514"/>
+          </a:xfrm>
+          <a:prstGeom prst="ellipse">
+            <a:avLst/>
+          </a:prstGeom>
+          <a:ln>
+            <a:solidFill>
+              <a:schemeClr val="tx1"/>
+            </a:solidFill>
+          </a:ln>
+        </p:spPr>
+        <p:style>
+          <a:lnRef idx="2">
+            <a:schemeClr val="accent6"/>
+          </a:lnRef>
+          <a:fillRef idx="1">
+            <a:schemeClr val="lt1"/>
+          </a:fillRef>
+          <a:effectRef idx="0">
+            <a:schemeClr val="accent6"/>
+          </a:effectRef>
+          <a:fontRef idx="minor">
+            <a:schemeClr val="dk1"/>
+          </a:fontRef>
+        </p:style>
+        <p:txBody>
+          <a:bodyPr rtlCol="0" anchor="ctr"/>
+          <a:lstStyle/>
+          <a:p>
+            <a:pPr algn="ctr"/>
+            <a:r>
+              <a:rPr kumimoji="1" lang="ja-JP" altLang="en-US" dirty="0">
+                <a:latin typeface="ＭＳ Ｐゴシック" panose="020B0600070205080204" pitchFamily="50" charset="-128"/>
+                <a:ea typeface="ＭＳ Ｐゴシック" panose="020B0600070205080204" pitchFamily="50" charset="-128"/>
+              </a:rPr>
+              <a:t>質問を閲覧する</a:t>
+            </a:r>
+          </a:p>
+        </p:txBody>
+      </p:sp>
+      <p:cxnSp>
+        <p:nvCxnSpPr>
+          <p:cNvPr id="52" name="直線矢印コネクタ 51">
+            <a:extLst>
+              <a:ext uri="{FF2B5EF4-FFF2-40B4-BE49-F238E27FC236}">
+                <a16:creationId xmlns:a16="http://schemas.microsoft.com/office/drawing/2014/main" id="{F84AC04D-34EA-069D-4A43-FD5D5548A9F8}"/>
+              </a:ext>
+            </a:extLst>
+          </p:cNvPr>
+          <p:cNvCxnSpPr>
+            <a:cxnSpLocks/>
+            <a:stCxn id="38" idx="6"/>
+            <a:endCxn id="48" idx="2"/>
+          </p:cNvCxnSpPr>
+          <p:nvPr/>
+        </p:nvCxnSpPr>
+        <p:spPr>
+          <a:xfrm flipV="1">
+            <a:off x="5633515" y="2339403"/>
+            <a:ext cx="783327" cy="1"/>
+          </a:xfrm>
+          <a:prstGeom prst="straightConnector1">
+            <a:avLst/>
+          </a:prstGeom>
+          <a:ln>
+            <a:solidFill>
+              <a:schemeClr val="tx1"/>
+            </a:solidFill>
+            <a:prstDash val="lgDash"/>
+            <a:tailEnd type="triangle"/>
+          </a:ln>
+        </p:spPr>
+        <p:style>
+          <a:lnRef idx="2">
+            <a:schemeClr val="accent1"/>
+          </a:lnRef>
+          <a:fillRef idx="0">
+            <a:schemeClr val="accent1"/>
+          </a:fillRef>
+          <a:effectRef idx="1">
+            <a:schemeClr val="accent1"/>
+          </a:effectRef>
+          <a:fontRef idx="minor">
+            <a:schemeClr val="tx1"/>
+          </a:fontRef>
+        </p:style>
+      </p:cxnSp>
+      <p:sp>
+        <p:nvSpPr>
+          <p:cNvPr id="53" name="楕円 52">
+            <a:extLst>
+              <a:ext uri="{FF2B5EF4-FFF2-40B4-BE49-F238E27FC236}">
+                <a16:creationId xmlns:a16="http://schemas.microsoft.com/office/drawing/2014/main" id="{040A185B-B77F-D12D-6C7E-5596AEF669ED}"/>
+              </a:ext>
+            </a:extLst>
+          </p:cNvPr>
+          <p:cNvSpPr/>
+          <p:nvPr/>
+        </p:nvSpPr>
+        <p:spPr>
+          <a:xfrm>
+            <a:off x="3101199" y="4199984"/>
+            <a:ext cx="3000580" cy="387729"/>
+          </a:xfrm>
+          <a:prstGeom prst="ellipse">
+            <a:avLst/>
+          </a:prstGeom>
+          <a:ln>
+            <a:solidFill>
+              <a:schemeClr val="tx1"/>
+            </a:solidFill>
+          </a:ln>
+        </p:spPr>
+        <p:style>
+          <a:lnRef idx="2">
+            <a:schemeClr val="accent6"/>
+          </a:lnRef>
+          <a:fillRef idx="1">
+            <a:schemeClr val="lt1"/>
+          </a:fillRef>
+          <a:effectRef idx="0">
+            <a:schemeClr val="accent6"/>
+          </a:effectRef>
+          <a:fontRef idx="minor">
+            <a:schemeClr val="dk1"/>
+          </a:fontRef>
+        </p:style>
+        <p:txBody>
+          <a:bodyPr rtlCol="0" anchor="ctr"/>
+          <a:lstStyle/>
+          <a:p>
+            <a:pPr algn="ctr"/>
+            <a:r>
+              <a:rPr kumimoji="1" lang="ja-JP" altLang="en-US" dirty="0">
+                <a:latin typeface="ＭＳ Ｐゴシック" panose="020B0600070205080204" pitchFamily="50" charset="-128"/>
+                <a:ea typeface="ＭＳ Ｐゴシック" panose="020B0600070205080204" pitchFamily="50" charset="-128"/>
+              </a:rPr>
+              <a:t>グループを作成する</a:t>
+            </a:r>
+          </a:p>
+        </p:txBody>
+      </p:sp>
+      <p:cxnSp>
+        <p:nvCxnSpPr>
+          <p:cNvPr id="56" name="直線コネクタ 55">
+            <a:extLst>
+              <a:ext uri="{FF2B5EF4-FFF2-40B4-BE49-F238E27FC236}">
+                <a16:creationId xmlns:a16="http://schemas.microsoft.com/office/drawing/2014/main" id="{7F918680-2322-D195-FB21-CE89ED69909E}"/>
+              </a:ext>
+            </a:extLst>
+          </p:cNvPr>
+          <p:cNvCxnSpPr>
+            <a:cxnSpLocks/>
+            <a:endCxn id="72" idx="2"/>
+          </p:cNvCxnSpPr>
+          <p:nvPr/>
+        </p:nvCxnSpPr>
+        <p:spPr>
+          <a:xfrm flipV="1">
+            <a:off x="2263915" y="1623161"/>
+            <a:ext cx="866734" cy="716645"/>
+          </a:xfrm>
+          <a:prstGeom prst="line">
+            <a:avLst/>
+          </a:prstGeom>
+        </p:spPr>
+        <p:style>
+          <a:lnRef idx="2">
+            <a:schemeClr val="dk1"/>
+          </a:lnRef>
+          <a:fillRef idx="0">
+            <a:schemeClr val="dk1"/>
+          </a:fillRef>
+          <a:effectRef idx="1">
+            <a:schemeClr val="dk1"/>
+          </a:effectRef>
+          <a:fontRef idx="minor">
+            <a:schemeClr val="tx1"/>
+          </a:fontRef>
+        </p:style>
+      </p:cxnSp>
+      <p:cxnSp>
+        <p:nvCxnSpPr>
+          <p:cNvPr id="59" name="直線コネクタ 58">
+            <a:extLst>
+              <a:ext uri="{FF2B5EF4-FFF2-40B4-BE49-F238E27FC236}">
+                <a16:creationId xmlns:a16="http://schemas.microsoft.com/office/drawing/2014/main" id="{F435AC40-60BD-4666-54C0-E0E4DF6F1317}"/>
+              </a:ext>
+            </a:extLst>
+          </p:cNvPr>
+          <p:cNvCxnSpPr>
+            <a:cxnSpLocks/>
+            <a:endCxn id="53" idx="2"/>
+          </p:cNvCxnSpPr>
+          <p:nvPr/>
+        </p:nvCxnSpPr>
+        <p:spPr>
+          <a:xfrm>
+            <a:off x="2320344" y="2352265"/>
+            <a:ext cx="780855" cy="2041584"/>
+          </a:xfrm>
+          <a:prstGeom prst="line">
+            <a:avLst/>
+          </a:prstGeom>
+        </p:spPr>
+        <p:style>
+          <a:lnRef idx="2">
+            <a:schemeClr val="dk1"/>
+          </a:lnRef>
+          <a:fillRef idx="0">
+            <a:schemeClr val="dk1"/>
+          </a:fillRef>
+          <a:effectRef idx="1">
+            <a:schemeClr val="dk1"/>
+          </a:effectRef>
+          <a:fontRef idx="minor">
+            <a:schemeClr val="tx1"/>
+          </a:fontRef>
+        </p:style>
+      </p:cxnSp>
+      <p:sp>
+        <p:nvSpPr>
+          <p:cNvPr id="72" name="楕円 71">
+            <a:extLst>
+              <a:ext uri="{FF2B5EF4-FFF2-40B4-BE49-F238E27FC236}">
+                <a16:creationId xmlns:a16="http://schemas.microsoft.com/office/drawing/2014/main" id="{EA1590C9-98D5-F25F-5A17-F745379E60A1}"/>
+              </a:ext>
+            </a:extLst>
+          </p:cNvPr>
+          <p:cNvSpPr/>
+          <p:nvPr/>
+        </p:nvSpPr>
+        <p:spPr>
+          <a:xfrm>
+            <a:off x="3130649" y="1390404"/>
+            <a:ext cx="3012260" cy="465513"/>
+          </a:xfrm>
+          <a:prstGeom prst="ellipse">
+            <a:avLst/>
+          </a:prstGeom>
+          <a:ln>
+            <a:solidFill>
+              <a:schemeClr val="tx1"/>
+            </a:solidFill>
+          </a:ln>
+        </p:spPr>
+        <p:style>
+          <a:lnRef idx="2">
+            <a:schemeClr val="accent6"/>
+          </a:lnRef>
+          <a:fillRef idx="1">
+            <a:schemeClr val="lt1"/>
+          </a:fillRef>
+          <a:effectRef idx="0">
+            <a:schemeClr val="accent6"/>
+          </a:effectRef>
+          <a:fontRef idx="minor">
+            <a:schemeClr val="dk1"/>
+          </a:fontRef>
+        </p:style>
+        <p:txBody>
+          <a:bodyPr rtlCol="0" anchor="ctr"/>
+          <a:lstStyle/>
+          <a:p>
+            <a:pPr algn="ctr"/>
+            <a:r>
+              <a:rPr kumimoji="1" lang="ja-JP" altLang="en-US" dirty="0">
+                <a:latin typeface="ＭＳ Ｐゴシック" panose="020B0600070205080204" pitchFamily="50" charset="-128"/>
+                <a:ea typeface="ＭＳ Ｐゴシック" panose="020B0600070205080204" pitchFamily="50" charset="-128"/>
+              </a:rPr>
+              <a:t>ログイン</a:t>
+            </a:r>
+            <a:r>
+              <a:rPr kumimoji="1" lang="ja-JP" altLang="en-US">
+                <a:latin typeface="ＭＳ Ｐゴシック" panose="020B0600070205080204" pitchFamily="50" charset="-128"/>
+                <a:ea typeface="ＭＳ Ｐゴシック" panose="020B0600070205080204" pitchFamily="50" charset="-128"/>
+              </a:rPr>
+              <a:t>・ログアウト</a:t>
+            </a:r>
+            <a:endParaRPr kumimoji="1" lang="ja-JP" altLang="en-US" dirty="0">
+              <a:latin typeface="ＭＳ Ｐゴシック" panose="020B0600070205080204" pitchFamily="50" charset="-128"/>
+              <a:ea typeface="ＭＳ Ｐゴシック" panose="020B0600070205080204" pitchFamily="50" charset="-128"/>
+            </a:endParaRPr>
+          </a:p>
+        </p:txBody>
+      </p:sp>
+      <p:cxnSp>
+        <p:nvCxnSpPr>
+          <p:cNvPr id="74" name="直線コネクタ 73">
+            <a:extLst>
+              <a:ext uri="{FF2B5EF4-FFF2-40B4-BE49-F238E27FC236}">
+                <a16:creationId xmlns:a16="http://schemas.microsoft.com/office/drawing/2014/main" id="{3336EF98-0E1E-D671-120C-20CCABD49BB1}"/>
+              </a:ext>
+            </a:extLst>
+          </p:cNvPr>
+          <p:cNvCxnSpPr>
+            <a:cxnSpLocks/>
+            <a:endCxn id="49" idx="2"/>
+          </p:cNvCxnSpPr>
+          <p:nvPr/>
+        </p:nvCxnSpPr>
+        <p:spPr>
+          <a:xfrm>
+            <a:off x="2275596" y="2354393"/>
+            <a:ext cx="855053" cy="673443"/>
+          </a:xfrm>
+          <a:prstGeom prst="line">
+            <a:avLst/>
+          </a:prstGeom>
+        </p:spPr>
+        <p:style>
+          <a:lnRef idx="2">
+            <a:schemeClr val="dk1"/>
+          </a:lnRef>
+          <a:fillRef idx="0">
+            <a:schemeClr val="dk1"/>
+          </a:fillRef>
+          <a:effectRef idx="1">
+            <a:schemeClr val="dk1"/>
+          </a:effectRef>
+          <a:fontRef idx="minor">
+            <a:schemeClr val="tx1"/>
+          </a:fontRef>
+        </p:style>
+      </p:cxnSp>
+      <p:sp>
+        <p:nvSpPr>
+          <p:cNvPr id="81" name="楕円 80">
+            <a:extLst>
+              <a:ext uri="{FF2B5EF4-FFF2-40B4-BE49-F238E27FC236}">
+                <a16:creationId xmlns:a16="http://schemas.microsoft.com/office/drawing/2014/main" id="{5B7BE507-6CB7-D5F3-B336-ED36C7A888F9}"/>
+              </a:ext>
+            </a:extLst>
+          </p:cNvPr>
+          <p:cNvSpPr/>
+          <p:nvPr/>
+        </p:nvSpPr>
+        <p:spPr>
+          <a:xfrm>
+            <a:off x="3142329" y="3452560"/>
+            <a:ext cx="2502866" cy="465514"/>
+          </a:xfrm>
+          <a:prstGeom prst="ellipse">
+            <a:avLst/>
+          </a:prstGeom>
+          <a:ln>
+            <a:solidFill>
+              <a:schemeClr val="tx1"/>
+            </a:solidFill>
+          </a:ln>
+        </p:spPr>
+        <p:style>
+          <a:lnRef idx="2">
+            <a:schemeClr val="accent6"/>
+          </a:lnRef>
+          <a:fillRef idx="1">
+            <a:schemeClr val="lt1"/>
+          </a:fillRef>
+          <a:effectRef idx="0">
+            <a:schemeClr val="accent6"/>
+          </a:effectRef>
+          <a:fontRef idx="minor">
+            <a:schemeClr val="dk1"/>
+          </a:fontRef>
+        </p:style>
+        <p:txBody>
+          <a:bodyPr rtlCol="0" anchor="ctr"/>
+          <a:lstStyle/>
+          <a:p>
+            <a:pPr algn="ctr"/>
+            <a:r>
+              <a:rPr kumimoji="1" lang="ja-JP" altLang="en-US" dirty="0">
+                <a:latin typeface="ＭＳ Ｐゴシック" panose="020B0600070205080204" pitchFamily="50" charset="-128"/>
+                <a:ea typeface="ＭＳ Ｐゴシック" panose="020B0600070205080204" pitchFamily="50" charset="-128"/>
+              </a:rPr>
+              <a:t>質問に回答する</a:t>
+            </a:r>
+          </a:p>
+        </p:txBody>
+      </p:sp>
+      <p:cxnSp>
+        <p:nvCxnSpPr>
+          <p:cNvPr id="86" name="直線コネクタ 85">
+            <a:extLst>
+              <a:ext uri="{FF2B5EF4-FFF2-40B4-BE49-F238E27FC236}">
+                <a16:creationId xmlns:a16="http://schemas.microsoft.com/office/drawing/2014/main" id="{99ADDA96-9398-400E-E7BF-86DE4BC68AC5}"/>
+              </a:ext>
+            </a:extLst>
+          </p:cNvPr>
+          <p:cNvCxnSpPr>
+            <a:cxnSpLocks/>
+            <a:endCxn id="81" idx="2"/>
+          </p:cNvCxnSpPr>
+          <p:nvPr/>
+        </p:nvCxnSpPr>
+        <p:spPr>
+          <a:xfrm>
+            <a:off x="2320344" y="2376394"/>
+            <a:ext cx="821985" cy="1308923"/>
+          </a:xfrm>
+          <a:prstGeom prst="line">
+            <a:avLst/>
+          </a:prstGeom>
+        </p:spPr>
+        <p:style>
+          <a:lnRef idx="2">
+            <a:schemeClr val="dk1"/>
+          </a:lnRef>
+          <a:fillRef idx="0">
+            <a:schemeClr val="dk1"/>
+          </a:fillRef>
+          <a:effectRef idx="1">
+            <a:schemeClr val="dk1"/>
+          </a:effectRef>
+          <a:fontRef idx="minor">
+            <a:schemeClr val="tx1"/>
+          </a:fontRef>
+        </p:style>
+      </p:cxnSp>
+      <p:sp>
+        <p:nvSpPr>
+          <p:cNvPr id="89" name="楕円 88">
+            <a:extLst>
+              <a:ext uri="{FF2B5EF4-FFF2-40B4-BE49-F238E27FC236}">
+                <a16:creationId xmlns:a16="http://schemas.microsoft.com/office/drawing/2014/main" id="{E53C5D0B-9E8D-4A65-F343-CB88788EFDAE}"/>
+              </a:ext>
+            </a:extLst>
+          </p:cNvPr>
+          <p:cNvSpPr/>
+          <p:nvPr/>
+        </p:nvSpPr>
+        <p:spPr>
+          <a:xfrm>
+            <a:off x="6428522" y="3303451"/>
+            <a:ext cx="2502866" cy="763731"/>
+          </a:xfrm>
+          <a:prstGeom prst="ellipse">
+            <a:avLst/>
+          </a:prstGeom>
+          <a:ln>
+            <a:solidFill>
+              <a:schemeClr val="tx1"/>
+            </a:solidFill>
+          </a:ln>
+        </p:spPr>
+        <p:style>
+          <a:lnRef idx="2">
+            <a:schemeClr val="accent6"/>
+          </a:lnRef>
+          <a:fillRef idx="1">
+            <a:schemeClr val="lt1"/>
+          </a:fillRef>
+          <a:effectRef idx="0">
+            <a:schemeClr val="accent6"/>
+          </a:effectRef>
+          <a:fontRef idx="minor">
+            <a:schemeClr val="dk1"/>
+          </a:fontRef>
+        </p:style>
+        <p:txBody>
+          <a:bodyPr rtlCol="0" anchor="ctr"/>
+          <a:lstStyle/>
+          <a:p>
+            <a:pPr algn="ctr"/>
+            <a:r>
+              <a:rPr kumimoji="1" lang="ja-JP" altLang="en-US" dirty="0">
+                <a:latin typeface="ＭＳ Ｐゴシック" panose="020B0600070205080204" pitchFamily="50" charset="-128"/>
+                <a:ea typeface="ＭＳ Ｐゴシック" panose="020B0600070205080204" pitchFamily="50" charset="-128"/>
+              </a:rPr>
+              <a:t>回答を編集する</a:t>
+            </a:r>
+          </a:p>
+        </p:txBody>
+      </p:sp>
+      <p:cxnSp>
+        <p:nvCxnSpPr>
+          <p:cNvPr id="90" name="直線矢印コネクタ 89">
+            <a:extLst>
+              <a:ext uri="{FF2B5EF4-FFF2-40B4-BE49-F238E27FC236}">
+                <a16:creationId xmlns:a16="http://schemas.microsoft.com/office/drawing/2014/main" id="{1F27A57C-6681-7BA2-B282-DBEC8B806AA2}"/>
+              </a:ext>
+            </a:extLst>
+          </p:cNvPr>
+          <p:cNvCxnSpPr>
+            <a:cxnSpLocks/>
+            <a:endCxn id="89" idx="2"/>
+          </p:cNvCxnSpPr>
+          <p:nvPr/>
+        </p:nvCxnSpPr>
+        <p:spPr>
+          <a:xfrm flipV="1">
+            <a:off x="5645195" y="3685317"/>
+            <a:ext cx="783327" cy="1"/>
+          </a:xfrm>
+          <a:prstGeom prst="straightConnector1">
+            <a:avLst/>
+          </a:prstGeom>
+          <a:ln>
+            <a:solidFill>
+              <a:schemeClr val="tx1"/>
+            </a:solidFill>
+            <a:prstDash val="lgDash"/>
+            <a:tailEnd type="triangle"/>
+          </a:ln>
+        </p:spPr>
+        <p:style>
+          <a:lnRef idx="2">
+            <a:schemeClr val="accent1"/>
+          </a:lnRef>
+          <a:fillRef idx="0">
+            <a:schemeClr val="accent1"/>
+          </a:fillRef>
+          <a:effectRef idx="1">
+            <a:schemeClr val="accent1"/>
+          </a:effectRef>
+          <a:fontRef idx="minor">
+            <a:schemeClr val="tx1"/>
+          </a:fontRef>
+        </p:style>
+      </p:cxnSp>
+      <p:cxnSp>
+        <p:nvCxnSpPr>
+          <p:cNvPr id="92" name="直線コネクタ 91">
+            <a:extLst>
+              <a:ext uri="{FF2B5EF4-FFF2-40B4-BE49-F238E27FC236}">
+                <a16:creationId xmlns:a16="http://schemas.microsoft.com/office/drawing/2014/main" id="{125C8198-C2BA-4D75-46DB-BB8B981EB5FC}"/>
+              </a:ext>
+            </a:extLst>
+          </p:cNvPr>
+          <p:cNvCxnSpPr>
+            <a:cxnSpLocks/>
+            <a:endCxn id="95" idx="2"/>
+          </p:cNvCxnSpPr>
+          <p:nvPr/>
+        </p:nvCxnSpPr>
+        <p:spPr>
+          <a:xfrm flipV="1">
+            <a:off x="2316726" y="917239"/>
+            <a:ext cx="825603" cy="1392373"/>
+          </a:xfrm>
+          <a:prstGeom prst="line">
+            <a:avLst/>
+          </a:prstGeom>
+        </p:spPr>
+        <p:style>
+          <a:lnRef idx="2">
+            <a:schemeClr val="dk1"/>
+          </a:lnRef>
+          <a:fillRef idx="0">
+            <a:schemeClr val="dk1"/>
+          </a:fillRef>
+          <a:effectRef idx="1">
+            <a:schemeClr val="dk1"/>
+          </a:effectRef>
+          <a:fontRef idx="minor">
+            <a:schemeClr val="tx1"/>
+          </a:fontRef>
+        </p:style>
+      </p:cxnSp>
+      <p:sp>
+        <p:nvSpPr>
+          <p:cNvPr id="95" name="楕円 94">
+            <a:extLst>
+              <a:ext uri="{FF2B5EF4-FFF2-40B4-BE49-F238E27FC236}">
+                <a16:creationId xmlns:a16="http://schemas.microsoft.com/office/drawing/2014/main" id="{62AFAA7B-1ED2-7C18-6D63-4E0FDAF6396C}"/>
+              </a:ext>
+            </a:extLst>
+          </p:cNvPr>
+          <p:cNvSpPr/>
+          <p:nvPr/>
+        </p:nvSpPr>
+        <p:spPr>
+          <a:xfrm>
+            <a:off x="3142329" y="684482"/>
+            <a:ext cx="3012260" cy="465513"/>
+          </a:xfrm>
+          <a:prstGeom prst="ellipse">
+            <a:avLst/>
+          </a:prstGeom>
+          <a:ln>
+            <a:solidFill>
+              <a:schemeClr val="tx1"/>
+            </a:solidFill>
+          </a:ln>
+        </p:spPr>
+        <p:style>
+          <a:lnRef idx="2">
+            <a:schemeClr val="accent6"/>
+          </a:lnRef>
+          <a:fillRef idx="1">
+            <a:schemeClr val="lt1"/>
+          </a:fillRef>
+          <a:effectRef idx="0">
+            <a:schemeClr val="accent6"/>
+          </a:effectRef>
+          <a:fontRef idx="minor">
+            <a:schemeClr val="dk1"/>
+          </a:fontRef>
+        </p:style>
+        <p:txBody>
+          <a:bodyPr rtlCol="0" anchor="ctr"/>
+          <a:lstStyle/>
+          <a:p>
+            <a:pPr algn="ctr"/>
+            <a:r>
+              <a:rPr kumimoji="1" lang="ja-JP" altLang="en-US" dirty="0">
+                <a:latin typeface="ＭＳ Ｐゴシック" panose="020B0600070205080204" pitchFamily="50" charset="-128"/>
+                <a:ea typeface="ＭＳ Ｐゴシック" panose="020B0600070205080204" pitchFamily="50" charset="-128"/>
+              </a:rPr>
+              <a:t>新規登録を行う</a:t>
+            </a:r>
+          </a:p>
+        </p:txBody>
+      </p:sp>
+    </p:spTree>
+    <p:extLst>
+      <p:ext uri="{BB962C8B-B14F-4D97-AF65-F5344CB8AC3E}">
+        <p14:creationId xmlns:p14="http://schemas.microsoft.com/office/powerpoint/2010/main" val="295650312"/>
+      </p:ext>
+    </p:extLst>
+  </p:cSld>
+  <p:clrMapOvr>
+    <a:masterClrMapping/>
+  </p:clrMapOvr>
+</p:sld>
+</file>
+
+<file path=ppt/slides/slide5.xml><?xml version="1.0" encoding="utf-8"?>
+<p:sld xmlns:a="http://schemas.openxmlformats.org/drawingml/2006/main" xmlns:r="http://schemas.openxmlformats.org/officeDocument/2006/relationships" xmlns:p="http://schemas.openxmlformats.org/presentationml/2006/main">
+  <p:cSld>
+    <p:spTree>
+      <p:nvGrpSpPr>
         <p:cNvPr id="1" name=""/>
         <p:cNvGrpSpPr/>
         <p:nvPr/>
@@ -6309,7 +7834,7 @@
 </p:sld>
 </file>
 
-<file path=ppt/slides/slide5.xml><?xml version="1.0" encoding="utf-8"?>
+<file path=ppt/slides/slide6.xml><?xml version="1.0" encoding="utf-8"?>
 <p:sld xmlns:a="http://schemas.openxmlformats.org/drawingml/2006/main" xmlns:r="http://schemas.openxmlformats.org/officeDocument/2006/relationships" xmlns:p="http://schemas.openxmlformats.org/presentationml/2006/main">
   <p:cSld>
     <p:spTree>
